--- a/SDDPoster.pptx
+++ b/SDDPoster.pptx
@@ -14,14 +14,14 @@
   <p:notesSz cx="9094788" cy="13573125"/>
   <p:embeddedFontLst>
     <p:embeddedFont>
-      <p:font typeface="Calibri" panose="020F0502020204030204" pitchFamily="34" charset="0"/>
+      <p:font typeface="Gill Sans MT" panose="020B0502020104020203" pitchFamily="34" charset="0"/>
       <p:regular r:id="rId4"/>
       <p:bold r:id="rId5"/>
       <p:italic r:id="rId6"/>
       <p:boldItalic r:id="rId7"/>
     </p:embeddedFont>
     <p:embeddedFont>
-      <p:font typeface="Gill Sans MT" panose="020B0502020104020203" pitchFamily="34" charset="0"/>
+      <p:font typeface="Calibri" panose="020F0502020204030204" pitchFamily="34" charset="0"/>
       <p:regular r:id="rId8"/>
       <p:bold r:id="rId9"/>
       <p:italic r:id="rId10"/>
@@ -155,7 +155,7 @@
   </p:defaultTextStyle>
   <p:extLst>
     <p:ext uri="{EFAFB233-063F-42B5-8137-9DF3F51BA10A}">
-      <p15:sldGuideLst xmlns:p15="http://schemas.microsoft.com/office/powerpoint/2012/main" xmlns="">
+      <p15:sldGuideLst xmlns:p15="http://schemas.microsoft.com/office/powerpoint/2012/main">
         <p15:guide id="1" orient="horz" pos="10368" userDrawn="1">
           <p15:clr>
             <a:srgbClr val="A4A3A4"/>
@@ -4709,7 +4709,7 @@
               </a:rPr>
             </a:br>
             <a:r>
-              <a:rPr lang="en-US" sz="6000" b="1" smtClean="0">
+              <a:rPr lang="en-US" sz="6000" b="1" dirty="0" smtClean="0">
                 <a:solidFill>
                   <a:schemeClr val="bg1"/>
                 </a:solidFill>
@@ -4722,15 +4722,39 @@
                 </a:effectLst>
                 <a:latin typeface="Calibri" panose="020F0502020204030204" pitchFamily="34" charset="0"/>
               </a:rPr>
-              <a:t>Ryan Conyac, William McLain </a:t>
-            </a:r>
-            <a:r>
-              <a:rPr lang="en-US" sz="4000" b="1" smtClean="0">
+              <a:t>Ryan </a:t>
+            </a:r>
+            <a:r>
+              <a:rPr lang="en-US" sz="6000" b="1" dirty="0" err="1" smtClean="0">
                 <a:solidFill>
                   <a:schemeClr val="bg1"/>
                 </a:solidFill>
+                <a:effectLst>
+                  <a:outerShdw blurRad="38100" dist="38100" dir="2700000" algn="tl">
+                    <a:srgbClr val="000000">
+                      <a:alpha val="43137"/>
+                    </a:srgbClr>
+                  </a:outerShdw>
+                </a:effectLst>
+                <a:latin typeface="Calibri" panose="020F0502020204030204" pitchFamily="34" charset="0"/>
               </a:rPr>
-              <a:t> </a:t>
+              <a:t>Conyac</a:t>
+            </a:r>
+            <a:r>
+              <a:rPr lang="en-US" sz="6000" b="1" dirty="0" smtClean="0">
+                <a:solidFill>
+                  <a:schemeClr val="bg1"/>
+                </a:solidFill>
+                <a:effectLst>
+                  <a:outerShdw blurRad="38100" dist="38100" dir="2700000" algn="tl">
+                    <a:srgbClr val="000000">
+                      <a:alpha val="43137"/>
+                    </a:srgbClr>
+                  </a:outerShdw>
+                </a:effectLst>
+                <a:latin typeface="Calibri" panose="020F0502020204030204" pitchFamily="34" charset="0"/>
+              </a:rPr>
+              <a:t>, William McLain </a:t>
             </a:r>
             <a:r>
               <a:rPr lang="en-US" sz="4000" b="1" dirty="0" smtClean="0">
@@ -4738,7 +4762,7 @@
                   <a:schemeClr val="bg1"/>
                 </a:solidFill>
               </a:rPr>
-              <a:t>- Dr. Hong K. Sung (Faculty Advisor)</a:t>
+              <a:t> - Dr. Hong K. Sung (Faculty Advisor)</a:t>
             </a:r>
             <a:endParaRPr lang="en-US" sz="4800" b="1" dirty="0">
               <a:solidFill>
@@ -4760,7 +4784,7 @@
         <p:spPr bwMode="auto">
           <a:xfrm>
             <a:off x="375556" y="6443287"/>
-            <a:ext cx="9196718" cy="7894469"/>
+            <a:ext cx="9196718" cy="7340471"/>
           </a:xfrm>
           <a:prstGeom prst="rect">
             <a:avLst/>
@@ -4895,8 +4919,17 @@
             <a:pPr eaLnBrk="1" hangingPunct="1"/>
             <a:r>
               <a:rPr lang="en-US" sz="3600" dirty="0" smtClean="0"/>
-              <a:t>This version of Atari’s Asteroids was developed as a final term project to illustrate the usefulness and importance of design patterns.  The bridge design pattern was used to implement the behaviors of many items in the game including the classic triangular “spaceship” associated with the classic game.</a:t>
-            </a:r>
+              <a:t>Our team decided to make a 2D shooter like Raiden and </a:t>
+            </a:r>
+            <a:r>
+              <a:rPr lang="en-US" sz="3600" dirty="0" err="1" smtClean="0"/>
+              <a:t>Galaga</a:t>
+            </a:r>
+            <a:r>
+              <a:rPr lang="en-US" sz="3600" dirty="0" smtClean="0"/>
+              <a:t>. We were all familiar with and enjoyed these titles growing up so having the chance to create our own version seemed exciting. </a:t>
+            </a:r>
+            <a:endParaRPr lang="en-US" sz="3600" dirty="0" smtClean="0"/>
           </a:p>
           <a:p>
             <a:pPr eaLnBrk="1" hangingPunct="1"/>
@@ -4906,8 +4939,9 @@
             <a:pPr eaLnBrk="1" hangingPunct="1"/>
             <a:r>
               <a:rPr lang="en-US" sz="3600" dirty="0" smtClean="0"/>
-              <a:t>The original implementation of the spaceship behavior was rudimentary and unnatural.  The application of the bridge pattern allowed  for enhancement of the motion of the spaceship with minimal </a:t>
-            </a:r>
+              <a:t>We knew that our game needed to have the ability to offer a variety of ships. Also we need a range of weapons with the option for the player to choose not to acquire them if he or she did not want them. And finally the different types of weapons needed to have different types of sounds when used. </a:t>
+            </a:r>
+            <a:endParaRPr lang="en-US" sz="3600" dirty="0" smtClean="0"/>
           </a:p>
         </p:txBody>
       </p:sp>
@@ -5435,7 +5469,7 @@
             <a:pPr eaLnBrk="1" hangingPunct="1"/>
             <a:r>
               <a:rPr lang="en-US" sz="3600" dirty="0" smtClean="0"/>
-              <a:t>impact on the rest of the application.  Newton’s Second Law of Motion was applied to the motion of the spaceship not only to add realism to the game, but also to enhance the challenge and enjoyment of the experience.</a:t>
+              <a:t>These three things had to work in order to make the game feel complete. Since these aspects were all assigned to different team members. This required lots of team work to finally get it to work properly.</a:t>
             </a:r>
             <a:endParaRPr lang="en-US" sz="3600" dirty="0"/>
           </a:p>
@@ -5452,7 +5486,7 @@
         <p:spPr bwMode="auto">
           <a:xfrm>
             <a:off x="435152" y="17486877"/>
-            <a:ext cx="16450314" cy="7094250"/>
+            <a:ext cx="16450314" cy="7402026"/>
           </a:xfrm>
           <a:prstGeom prst="rect">
             <a:avLst/>
@@ -5594,8 +5628,9 @@
             </a:pPr>
             <a:r>
               <a:rPr lang="en-US" sz="3600" dirty="0" smtClean="0"/>
-              <a:t>Design patterns used in game development provide a mechanism for separating concerns.  The bridge pattern in particular allows for independent variation of an entity’s attributes and its behaviors.  This is convenient and necessary in game development because the developer can separately concern themselves with the definition of what a thing is and what it does.  This allows development of the interaction between things in an iterative and efficient way.</a:t>
-            </a:r>
+              <a:t>For the option to allow players to select different ships and weapons we need to use the state design pattern. This way when selecting different weapons the ship will obtain a new state to show that the player actually acquired the weapon. This is also used for the ship selection. </a:t>
+            </a:r>
+            <a:endParaRPr lang="en-US" sz="3600" dirty="0" smtClean="0"/>
           </a:p>
           <a:p>
             <a:pPr eaLnBrk="1" hangingPunct="1">
@@ -5608,8 +5643,23 @@
             </a:pPr>
             <a:r>
               <a:rPr lang="en-US" sz="3600" dirty="0" smtClean="0"/>
-              <a:t>Additionally, a developer may easily create prototypes of different behaviors without affecting existing behaviors.  The bridge pattern provides such an option for implementing varying behaviors, either by replacing the original behavior or by allowing additional behavioral choice.  Implementing separate behaviors would be difficult and less readable using a tightly coupled design.</a:t>
-            </a:r>
+              <a:t>This choice makes it easier for our members to add and s=change current items in the game and lowers the chance of the changes effects other parts of the game. </a:t>
+            </a:r>
+          </a:p>
+          <a:p>
+            <a:pPr eaLnBrk="1" hangingPunct="1">
+              <a:spcBef>
+                <a:spcPts val="1200"/>
+              </a:spcBef>
+              <a:spcAft>
+                <a:spcPts val="1200"/>
+              </a:spcAft>
+            </a:pPr>
+            <a:r>
+              <a:rPr lang="en-US" sz="3600" dirty="0" smtClean="0"/>
+              <a:t>As for sound differences there only needs to be a class to hold the different sound files. This way when a sound is needed in game the corresponding class will be able to call the Sound class and use the sound. Since there are not that many sounds needed this choice is easier for the entire team to understand and will cause less interference with the rest of the code.</a:t>
+            </a:r>
+            <a:endParaRPr lang="en-US" sz="3600" dirty="0"/>
           </a:p>
         </p:txBody>
       </p:sp>
@@ -6480,7 +6530,7 @@
         <p:spPr bwMode="auto">
           <a:xfrm>
             <a:off x="31851598" y="26310096"/>
-            <a:ext cx="12039602" cy="4939814"/>
+            <a:ext cx="12039602" cy="5493812"/>
           </a:xfrm>
           <a:prstGeom prst="rect">
             <a:avLst/>
@@ -6622,8 +6672,9 @@
             </a:pPr>
             <a:r>
               <a:rPr lang="en-US" sz="3600" dirty="0" smtClean="0"/>
-              <a:t>The result of the implementation of the Newtonian behavior using the structural bridge pattern has the following benefits:</a:t>
-            </a:r>
+              <a:t>The result in using state design pattern and java applet for in game sounds was a success. The process went smoothly and all team members were satisfied with the decision. :</a:t>
+            </a:r>
+            <a:endParaRPr lang="en-US" sz="3600" dirty="0" smtClean="0"/>
           </a:p>
           <a:p>
             <a:pPr marL="571500" indent="-571500" eaLnBrk="1" hangingPunct="1">
@@ -6638,7 +6689,19 @@
             </a:pPr>
             <a:r>
               <a:rPr lang="en-US" sz="3600" dirty="0" smtClean="0"/>
-              <a:t>Natural and challenging game play. </a:t>
+              <a:t>Natural and </a:t>
+            </a:r>
+            <a:r>
+              <a:rPr lang="en-US" sz="3600" dirty="0" smtClean="0"/>
+              <a:t>customizable</a:t>
+            </a:r>
+            <a:r>
+              <a:rPr lang="en-US" sz="3600" dirty="0" smtClean="0"/>
+              <a:t> </a:t>
+            </a:r>
+            <a:r>
+              <a:rPr lang="en-US" sz="3600" dirty="0" smtClean="0"/>
+              <a:t>game play. </a:t>
             </a:r>
           </a:p>
           <a:p>
@@ -6654,8 +6717,13 @@
             </a:pPr>
             <a:r>
               <a:rPr lang="en-US" sz="3600" dirty="0" smtClean="0"/>
-              <a:t>Option of implementing additional behaviors.</a:t>
-            </a:r>
+              <a:t>Option of implementing </a:t>
+            </a:r>
+            <a:r>
+              <a:rPr lang="en-US" sz="3600" dirty="0" smtClean="0"/>
+              <a:t>different ships.</a:t>
+            </a:r>
+            <a:endParaRPr lang="en-US" sz="3600" dirty="0" smtClean="0"/>
           </a:p>
           <a:p>
             <a:pPr marL="571500" indent="-571500" eaLnBrk="1" hangingPunct="1">
@@ -6670,8 +6738,13 @@
             </a:pPr>
             <a:r>
               <a:rPr lang="en-US" sz="3600" dirty="0" smtClean="0"/>
-              <a:t>Behavior is open for extension and closed for modification.</a:t>
-            </a:r>
+              <a:t>Game can easily be tweaked and sounds can easily be added and deleted </a:t>
+            </a:r>
+            <a:r>
+              <a:rPr lang="en-US" sz="3600" smtClean="0"/>
+              <a:t>if needed..</a:t>
+            </a:r>
+            <a:endParaRPr lang="en-US" sz="3600" dirty="0" smtClean="0"/>
           </a:p>
         </p:txBody>
       </p:sp>
@@ -6686,7 +6759,7 @@
         <p:spPr bwMode="auto">
           <a:xfrm>
             <a:off x="17501064" y="6705505"/>
-            <a:ext cx="12788435" cy="16573768"/>
+            <a:ext cx="12788435" cy="15958215"/>
           </a:xfrm>
           <a:prstGeom prst="rect">
             <a:avLst/>
@@ -6828,8 +6901,13 @@
             </a:pPr>
             <a:r>
               <a:rPr lang="en-US" sz="3600" b="1" dirty="0" smtClean="0"/>
-              <a:t>Create the behavior interface.  </a:t>
-            </a:r>
+              <a:t>Change </a:t>
+            </a:r>
+            <a:r>
+              <a:rPr lang="en-US" sz="3600" b="1" dirty="0"/>
+              <a:t>the ship’s appearance to show the user what he/she has selected.  </a:t>
+            </a:r>
+            <a:endParaRPr lang="en-US" sz="3600" b="1" dirty="0" smtClean="0"/>
           </a:p>
           <a:p>
             <a:pPr marL="1314450" lvl="1" indent="-571500" eaLnBrk="1" hangingPunct="1">
@@ -6844,8 +6922,9 @@
             </a:pPr>
             <a:r>
               <a:rPr lang="en-US" sz="3600" dirty="0" smtClean="0"/>
-              <a:t>Defines the operations for the behavior signatures.</a:t>
-            </a:r>
+              <a:t>Give the player an at the beginning of the game of what ship to use..</a:t>
+            </a:r>
+            <a:endParaRPr lang="en-US" sz="3600" dirty="0" smtClean="0"/>
           </a:p>
           <a:p>
             <a:pPr marL="1314450" lvl="1" indent="-571500" eaLnBrk="1" hangingPunct="1">
@@ -6860,8 +6939,9 @@
             </a:pPr>
             <a:r>
               <a:rPr lang="en-US" sz="3600" dirty="0" smtClean="0"/>
-              <a:t>Sets the initial vector.</a:t>
-            </a:r>
+              <a:t>Depending on the user’s choice change the ship’s appearance and attributes </a:t>
+            </a:r>
+            <a:endParaRPr lang="en-US" sz="3600" dirty="0" smtClean="0"/>
           </a:p>
           <a:p>
             <a:pPr eaLnBrk="1" hangingPunct="1">
@@ -6873,9 +6953,18 @@
               </a:spcAft>
             </a:pPr>
             <a:r>
+              <a:rPr lang="en-US" sz="3600" b="1" dirty="0"/>
+              <a:t>Create different items for the user to pick </a:t>
+            </a:r>
+            <a:r>
               <a:rPr lang="en-US" sz="3600" b="1" dirty="0" smtClean="0"/>
-              <a:t>Realize the different behaviors by applying the bridge.</a:t>
-            </a:r>
+              <a:t>up</a:t>
+            </a:r>
+            <a:r>
+              <a:rPr lang="en-US" sz="3600" b="1" dirty="0"/>
+              <a:t>.</a:t>
+            </a:r>
+            <a:endParaRPr lang="en-US" sz="3600" b="1" dirty="0" smtClean="0"/>
           </a:p>
           <a:p>
             <a:pPr marL="1314450" lvl="1" indent="-571500" eaLnBrk="1" hangingPunct="1">
@@ -6890,8 +6979,9 @@
             </a:pPr>
             <a:r>
               <a:rPr lang="en-US" sz="3600" dirty="0" smtClean="0"/>
-              <a:t>The original behavior realization.  </a:t>
-            </a:r>
+              <a:t>Change the bullet appearance from the initial image.  </a:t>
+            </a:r>
+            <a:endParaRPr lang="en-US" sz="3600" dirty="0" smtClean="0"/>
           </a:p>
           <a:p>
             <a:pPr marL="1714500" lvl="2" indent="-571500" eaLnBrk="1" hangingPunct="1">
@@ -6905,9 +6995,10 @@
               <a:buChar char="•"/>
             </a:pPr>
             <a:r>
-              <a:rPr lang="en-US" sz="3600" dirty="0"/>
-              <a:t>Easy to develop.</a:t>
-            </a:r>
+              <a:rPr lang="en-US" sz="3600" dirty="0" smtClean="0"/>
+              <a:t>Add a different sound to play when in use.</a:t>
+            </a:r>
+            <a:endParaRPr lang="en-US" sz="3600" dirty="0"/>
           </a:p>
           <a:p>
             <a:pPr marL="1714500" lvl="2" indent="-571500" eaLnBrk="1" hangingPunct="1">
@@ -6922,7 +7013,7 @@
             </a:pPr>
             <a:r>
               <a:rPr lang="en-US" sz="3600" dirty="0" smtClean="0"/>
-              <a:t>Fixed, arbitrary speed and direction.</a:t>
+              <a:t>Change the speed and other attribute of the bullet..</a:t>
             </a:r>
           </a:p>
           <a:p>
@@ -6937,12 +7028,13 @@
               <a:buChar char="•"/>
             </a:pPr>
             <a:r>
-              <a:rPr lang="en-US" sz="3600" dirty="0" smtClean="0"/>
-              <a:t>Game play is simple and redundant.</a:t>
-            </a:r>
-          </a:p>
-          <a:p>
-            <a:pPr marL="1314450" lvl="1" indent="-571500" eaLnBrk="1" hangingPunct="1">
+              <a:rPr lang="en-US" sz="3600" dirty="0"/>
+              <a:t>If the user collides with the item, change the state of the ship to correspond with the item</a:t>
+            </a:r>
+            <a:endParaRPr lang="en-US" sz="3600" dirty="0" smtClean="0"/>
+          </a:p>
+          <a:p>
+            <a:pPr marL="1714500" lvl="2" indent="-571500" eaLnBrk="1" hangingPunct="1">
               <a:spcBef>
                 <a:spcPts val="1200"/>
               </a:spcBef>
@@ -6954,11 +7046,35 @@
             </a:pPr>
             <a:r>
               <a:rPr lang="en-US" sz="3600" dirty="0" smtClean="0"/>
-              <a:t>The Newtonian behavior</a:t>
-            </a:r>
-          </a:p>
-          <a:p>
-            <a:pPr marL="1714500" lvl="2" indent="-571500" eaLnBrk="1" hangingPunct="1">
+              <a:t>Game play is simple and redundant</a:t>
+            </a:r>
+            <a:r>
+              <a:rPr lang="en-US" sz="3600" dirty="0" smtClean="0"/>
+              <a:t>..</a:t>
+            </a:r>
+            <a:endParaRPr lang="en-US" sz="3600" dirty="0" smtClean="0"/>
+          </a:p>
+          <a:p>
+            <a:pPr eaLnBrk="1" hangingPunct="1">
+              <a:spcBef>
+                <a:spcPts val="1200"/>
+              </a:spcBef>
+              <a:spcAft>
+                <a:spcPts val="1200"/>
+              </a:spcAft>
+            </a:pPr>
+            <a:r>
+              <a:rPr lang="en-US" sz="3600" b="1" dirty="0" smtClean="0"/>
+              <a:t>Use </a:t>
+            </a:r>
+            <a:r>
+              <a:rPr lang="en-US" sz="3600" b="1" dirty="0" smtClean="0"/>
+              <a:t>of different sounds</a:t>
+            </a:r>
+            <a:endParaRPr lang="en-US" sz="3600" b="1" dirty="0" smtClean="0"/>
+          </a:p>
+          <a:p>
+            <a:pPr marL="1314450" lvl="1" indent="-571500" eaLnBrk="1" hangingPunct="1">
               <a:spcBef>
                 <a:spcPts val="1200"/>
               </a:spcBef>
@@ -6970,11 +7086,11 @@
             </a:pPr>
             <a:r>
               <a:rPr lang="en-US" sz="3600" dirty="0" smtClean="0"/>
-              <a:t>Complex algorithm implementing inertia.</a:t>
-            </a:r>
-          </a:p>
-          <a:p>
-            <a:pPr marL="1714500" lvl="2" indent="-571500" eaLnBrk="1" hangingPunct="1">
+              <a:t>Create a class the holds all the sound files in the game along with functions to play, loop, and mute sounds.</a:t>
+            </a:r>
+          </a:p>
+          <a:p>
+            <a:pPr marL="1314450" lvl="1" indent="-571500" eaLnBrk="1" hangingPunct="1">
               <a:spcBef>
                 <a:spcPts val="1200"/>
               </a:spcBef>
@@ -6986,11 +7102,11 @@
             </a:pPr>
             <a:r>
               <a:rPr lang="en-US" sz="3600" dirty="0" smtClean="0"/>
-              <a:t>Speed and direction based on a force vector applied to the current force vector.</a:t>
-            </a:r>
-          </a:p>
-          <a:p>
-            <a:pPr marL="1714500" lvl="2" indent="-571500" eaLnBrk="1" hangingPunct="1">
+              <a:t>When the game starts loop the background music.</a:t>
+            </a:r>
+          </a:p>
+          <a:p>
+            <a:pPr marL="1314450" lvl="1" indent="-571500" eaLnBrk="1" hangingPunct="1">
               <a:spcBef>
                 <a:spcPts val="1200"/>
               </a:spcBef>
@@ -7002,21 +7118,7 @@
             </a:pPr>
             <a:r>
               <a:rPr lang="en-US" sz="3600" dirty="0" smtClean="0"/>
-              <a:t>Game play is more challenging and creates a more realistic experience.</a:t>
-            </a:r>
-          </a:p>
-          <a:p>
-            <a:pPr eaLnBrk="1" hangingPunct="1">
-              <a:spcBef>
-                <a:spcPts val="1200"/>
-              </a:spcBef>
-              <a:spcAft>
-                <a:spcPts val="1200"/>
-              </a:spcAft>
-            </a:pPr>
-            <a:r>
-              <a:rPr lang="en-US" sz="3600" b="1" dirty="0" smtClean="0"/>
-              <a:t>Use the Behavior in the Ship</a:t>
+              <a:t>When a shot is fired play the sound of each shot. </a:t>
             </a:r>
           </a:p>
           <a:p>
@@ -7032,40 +7134,9 @@
             </a:pPr>
             <a:r>
               <a:rPr lang="en-US" sz="3600" dirty="0" smtClean="0"/>
-              <a:t>References the behavior interface.  </a:t>
-            </a:r>
-          </a:p>
-          <a:p>
-            <a:pPr marL="1314450" lvl="1" indent="-571500" eaLnBrk="1" hangingPunct="1">
-              <a:spcBef>
-                <a:spcPts val="1200"/>
-              </a:spcBef>
-              <a:spcAft>
-                <a:spcPts val="1200"/>
-              </a:spcAft>
-              <a:buFont typeface="Arial" panose="020B0604020202020204" pitchFamily="34" charset="0"/>
-              <a:buChar char="•"/>
-            </a:pPr>
-            <a:r>
-              <a:rPr lang="en-US" sz="3600" dirty="0" smtClean="0"/>
-              <a:t>Store the current force vector of the ship for rendering.  </a:t>
-            </a:r>
-          </a:p>
-          <a:p>
-            <a:pPr marL="1314450" lvl="1" indent="-571500" eaLnBrk="1" hangingPunct="1">
-              <a:spcBef>
-                <a:spcPts val="1200"/>
-              </a:spcBef>
-              <a:spcAft>
-                <a:spcPts val="1200"/>
-              </a:spcAft>
-              <a:buFont typeface="Arial" panose="020B0604020202020204" pitchFamily="34" charset="0"/>
-              <a:buChar char="•"/>
-            </a:pPr>
-            <a:r>
-              <a:rPr lang="en-US" sz="3600" dirty="0" smtClean="0"/>
-              <a:t>Calculate the new force vector on each game loop using the appropriate behavior.</a:t>
-            </a:r>
+              <a:t>Have a different sound accompany each type of weapon for the ship.  </a:t>
+            </a:r>
+            <a:endParaRPr lang="en-US" sz="3600" dirty="0" smtClean="0"/>
           </a:p>
           <a:p>
             <a:pPr eaLnBrk="1" hangingPunct="1">

--- a/SDDPoster.pptx
+++ b/SDDPoster.pptx
@@ -14,14 +14,14 @@
   <p:notesSz cx="9094788" cy="13573125"/>
   <p:embeddedFontLst>
     <p:embeddedFont>
-      <p:font typeface="Gill Sans MT" panose="020B0502020104020203" pitchFamily="34" charset="0"/>
+      <p:font typeface="Calibri" panose="020F0502020204030204" pitchFamily="34" charset="0"/>
       <p:regular r:id="rId4"/>
       <p:bold r:id="rId5"/>
       <p:italic r:id="rId6"/>
       <p:boldItalic r:id="rId7"/>
     </p:embeddedFont>
     <p:embeddedFont>
-      <p:font typeface="Calibri" panose="020F0502020204030204" pitchFamily="34" charset="0"/>
+      <p:font typeface="Gill Sans MT" panose="020B0502020104020203" pitchFamily="34" charset="0"/>
       <p:regular r:id="rId8"/>
       <p:bold r:id="rId9"/>
       <p:italic r:id="rId10"/>
@@ -4250,47 +4250,6 @@
           </a:extLst>
         </p:spPr>
       </p:pic>
-      <p:pic>
-        <p:nvPicPr>
-          <p:cNvPr id="1027" name="Picture 3" descr="C:\Users\Gordon\Desktop\InertialMotion.png"/>
-          <p:cNvPicPr>
-            <a:picLocks noChangeAspect="1" noChangeArrowheads="1"/>
-          </p:cNvPicPr>
-          <p:nvPr/>
-        </p:nvPicPr>
-        <p:blipFill>
-          <a:blip r:embed="rId4">
-            <a:extLst>
-              <a:ext uri="{28A0092B-C50C-407E-A947-70E740481C1C}">
-                <a14:useLocalDpi xmlns:a14="http://schemas.microsoft.com/office/drawing/2010/main" val="0"/>
-              </a:ext>
-            </a:extLst>
-          </a:blip>
-          <a:srcRect/>
-          <a:stretch>
-            <a:fillRect/>
-          </a:stretch>
-        </p:blipFill>
-        <p:spPr bwMode="auto">
-          <a:xfrm>
-            <a:off x="13359429" y="25159876"/>
-            <a:ext cx="9803551" cy="7342632"/>
-          </a:xfrm>
-          <a:prstGeom prst="rect">
-            <a:avLst/>
-          </a:prstGeom>
-          <a:noFill/>
-          <a:extLst>
-            <a:ext uri="{909E8E84-426E-40DD-AFC4-6F175D3DCCD1}">
-              <a14:hiddenFill xmlns:a14="http://schemas.microsoft.com/office/drawing/2010/main">
-                <a:solidFill>
-                  <a:srgbClr val="FFFFFF"/>
-                </a:solidFill>
-              </a14:hiddenFill>
-            </a:ext>
-          </a:extLst>
-        </p:spPr>
-      </p:pic>
       <p:sp>
         <p:nvSpPr>
           <p:cNvPr id="33" name="Rectangle 32"/>
@@ -4512,7 +4471,7 @@
         <p:spPr bwMode="auto">
           <a:xfrm>
             <a:off x="152400" y="0"/>
-            <a:ext cx="24003000" cy="4016484"/>
+            <a:ext cx="24003000" cy="4632037"/>
           </a:xfrm>
           <a:prstGeom prst="rect">
             <a:avLst/>
@@ -4722,10 +4681,10 @@
                 </a:effectLst>
                 <a:latin typeface="Calibri" panose="020F0502020204030204" pitchFamily="34" charset="0"/>
               </a:rPr>
-              <a:t>Ryan </a:t>
-            </a:r>
-            <a:r>
-              <a:rPr lang="en-US" sz="6000" b="1" dirty="0" err="1" smtClean="0">
+              <a:t>Ryan Conyac, William </a:t>
+            </a:r>
+            <a:r>
+              <a:rPr lang="en-US" sz="6000" b="1" dirty="0" smtClean="0">
                 <a:solidFill>
                   <a:schemeClr val="bg1"/>
                 </a:solidFill>
@@ -4738,10 +4697,10 @@
                 </a:effectLst>
                 <a:latin typeface="Calibri" panose="020F0502020204030204" pitchFamily="34" charset="0"/>
               </a:rPr>
-              <a:t>Conyac</a:t>
-            </a:r>
-            <a:r>
-              <a:rPr lang="en-US" sz="6000" b="1" dirty="0" smtClean="0">
+              <a:t>McLain, Michael McGregor, </a:t>
+            </a:r>
+            <a:r>
+              <a:rPr lang="en-US" sz="6000" b="1" dirty="0" err="1" smtClean="0">
                 <a:solidFill>
                   <a:schemeClr val="bg1"/>
                 </a:solidFill>
@@ -4754,7 +4713,23 @@
                 </a:effectLst>
                 <a:latin typeface="Calibri" panose="020F0502020204030204" pitchFamily="34" charset="0"/>
               </a:rPr>
-              <a:t>, William McLain </a:t>
+              <a:t>Yuchen</a:t>
+            </a:r>
+            <a:r>
+              <a:rPr lang="en-US" sz="6000" b="1" dirty="0" smtClean="0">
+                <a:solidFill>
+                  <a:schemeClr val="bg1"/>
+                </a:solidFill>
+                <a:effectLst>
+                  <a:outerShdw blurRad="38100" dist="38100" dir="2700000" algn="tl">
+                    <a:srgbClr val="000000">
+                      <a:alpha val="43137"/>
+                    </a:srgbClr>
+                  </a:outerShdw>
+                </a:effectLst>
+                <a:latin typeface="Calibri" panose="020F0502020204030204" pitchFamily="34" charset="0"/>
+              </a:rPr>
+              <a:t> Feng, Brian Davis </a:t>
             </a:r>
             <a:r>
               <a:rPr lang="en-US" sz="4000" b="1" dirty="0" smtClean="0">
@@ -4762,7 +4737,15 @@
                   <a:schemeClr val="bg1"/>
                 </a:solidFill>
               </a:rPr>
-              <a:t> - Dr. Hong K. Sung (Faculty Advisor)</a:t>
+              <a:t> </a:t>
+            </a:r>
+            <a:r>
+              <a:rPr lang="en-US" sz="4000" b="1" dirty="0" smtClean="0">
+                <a:solidFill>
+                  <a:schemeClr val="bg1"/>
+                </a:solidFill>
+              </a:rPr>
+              <a:t>- Dr. Hong K. Sung (Faculty Advisor)</a:t>
             </a:r>
             <a:endParaRPr lang="en-US" sz="4800" b="1" dirty="0">
               <a:solidFill>
@@ -4929,7 +4912,6 @@
               <a:rPr lang="en-US" sz="3600" dirty="0" smtClean="0"/>
               <a:t>. We were all familiar with and enjoyed these titles growing up so having the chance to create our own version seemed exciting. </a:t>
             </a:r>
-            <a:endParaRPr lang="en-US" sz="3600" dirty="0" smtClean="0"/>
           </a:p>
           <a:p>
             <a:pPr eaLnBrk="1" hangingPunct="1"/>
@@ -4941,7 +4923,6 @@
               <a:rPr lang="en-US" sz="3600" dirty="0" smtClean="0"/>
               <a:t>We knew that our game needed to have the ability to offer a variety of ships. Also we need a range of weapons with the option for the player to choose not to acquire them if he or she did not want them. And finally the different types of weapons needed to have different types of sounds when used. </a:t>
             </a:r>
-            <a:endParaRPr lang="en-US" sz="3600" dirty="0" smtClean="0"/>
           </a:p>
         </p:txBody>
       </p:sp>
@@ -5269,7 +5250,7 @@
           <p:nvPr/>
         </p:nvPicPr>
         <p:blipFill rotWithShape="1">
-          <a:blip r:embed="rId5" cstate="print">
+          <a:blip r:embed="rId4" cstate="print">
             <a:extLst>
               <a:ext uri="{28A0092B-C50C-407E-A947-70E740481C1C}">
                 <a14:useLocalDpi xmlns:a14="http://schemas.microsoft.com/office/drawing/2010/main" val="0"/>
@@ -5302,7 +5283,7 @@
           <p:nvPr/>
         </p:nvPicPr>
         <p:blipFill>
-          <a:blip r:embed="rId6" cstate="print">
+          <a:blip r:embed="rId5" cstate="print">
             <a:extLst>
               <a:ext uri="{28A0092B-C50C-407E-A947-70E740481C1C}">
                 <a14:useLocalDpi xmlns:a14="http://schemas.microsoft.com/office/drawing/2010/main" val="0"/>
@@ -5630,7 +5611,6 @@
               <a:rPr lang="en-US" sz="3600" dirty="0" smtClean="0"/>
               <a:t>For the option to allow players to select different ships and weapons we need to use the state design pattern. This way when selecting different weapons the ship will obtain a new state to show that the player actually acquired the weapon. This is also used for the ship selection. </a:t>
             </a:r>
-            <a:endParaRPr lang="en-US" sz="3600" dirty="0" smtClean="0"/>
           </a:p>
           <a:p>
             <a:pPr eaLnBrk="1" hangingPunct="1">
@@ -6674,7 +6654,6 @@
               <a:rPr lang="en-US" sz="3600" dirty="0" smtClean="0"/>
               <a:t>The result in using state design pattern and java applet for in game sounds was a success. The process went smoothly and all team members were satisfied with the decision. :</a:t>
             </a:r>
-            <a:endParaRPr lang="en-US" sz="3600" dirty="0" smtClean="0"/>
           </a:p>
           <a:p>
             <a:pPr marL="571500" indent="-571500" eaLnBrk="1" hangingPunct="1">
@@ -6689,19 +6668,7 @@
             </a:pPr>
             <a:r>
               <a:rPr lang="en-US" sz="3600" dirty="0" smtClean="0"/>
-              <a:t>Natural and </a:t>
-            </a:r>
-            <a:r>
-              <a:rPr lang="en-US" sz="3600" dirty="0" smtClean="0"/>
-              <a:t>customizable</a:t>
-            </a:r>
-            <a:r>
-              <a:rPr lang="en-US" sz="3600" dirty="0" smtClean="0"/>
-              <a:t> </a:t>
-            </a:r>
-            <a:r>
-              <a:rPr lang="en-US" sz="3600" dirty="0" smtClean="0"/>
-              <a:t>game play. </a:t>
+              <a:t>Natural and customizable game play. </a:t>
             </a:r>
           </a:p>
           <a:p>
@@ -6717,13 +6684,8 @@
             </a:pPr>
             <a:r>
               <a:rPr lang="en-US" sz="3600" dirty="0" smtClean="0"/>
-              <a:t>Option of implementing </a:t>
-            </a:r>
-            <a:r>
-              <a:rPr lang="en-US" sz="3600" dirty="0" smtClean="0"/>
-              <a:t>different ships.</a:t>
-            </a:r>
-            <a:endParaRPr lang="en-US" sz="3600" dirty="0" smtClean="0"/>
+              <a:t>Option of implementing different ships.</a:t>
+            </a:r>
           </a:p>
           <a:p>
             <a:pPr marL="571500" indent="-571500" eaLnBrk="1" hangingPunct="1">
@@ -6924,7 +6886,6 @@
               <a:rPr lang="en-US" sz="3600" dirty="0" smtClean="0"/>
               <a:t>Give the player an at the beginning of the game of what ship to use..</a:t>
             </a:r>
-            <a:endParaRPr lang="en-US" sz="3600" dirty="0" smtClean="0"/>
           </a:p>
           <a:p>
             <a:pPr marL="1314450" lvl="1" indent="-571500" eaLnBrk="1" hangingPunct="1">
@@ -6941,7 +6902,6 @@
               <a:rPr lang="en-US" sz="3600" dirty="0" smtClean="0"/>
               <a:t>Depending on the user’s choice change the ship’s appearance and attributes </a:t>
             </a:r>
-            <a:endParaRPr lang="en-US" sz="3600" dirty="0" smtClean="0"/>
           </a:p>
           <a:p>
             <a:pPr eaLnBrk="1" hangingPunct="1">
@@ -6981,7 +6941,6 @@
               <a:rPr lang="en-US" sz="3600" dirty="0" smtClean="0"/>
               <a:t>Change the bullet appearance from the initial image.  </a:t>
             </a:r>
-            <a:endParaRPr lang="en-US" sz="3600" dirty="0" smtClean="0"/>
           </a:p>
           <a:p>
             <a:pPr marL="1714500" lvl="2" indent="-571500" eaLnBrk="1" hangingPunct="1">
@@ -7046,13 +7005,8 @@
             </a:pPr>
             <a:r>
               <a:rPr lang="en-US" sz="3600" dirty="0" smtClean="0"/>
-              <a:t>Game play is simple and redundant</a:t>
-            </a:r>
-            <a:r>
-              <a:rPr lang="en-US" sz="3600" dirty="0" smtClean="0"/>
-              <a:t>..</a:t>
-            </a:r>
-            <a:endParaRPr lang="en-US" sz="3600" dirty="0" smtClean="0"/>
+              <a:t>Game play is simple and redundant..</a:t>
+            </a:r>
           </a:p>
           <a:p>
             <a:pPr eaLnBrk="1" hangingPunct="1">
@@ -7065,13 +7019,8 @@
             </a:pPr>
             <a:r>
               <a:rPr lang="en-US" sz="3600" b="1" dirty="0" smtClean="0"/>
-              <a:t>Use </a:t>
-            </a:r>
-            <a:r>
-              <a:rPr lang="en-US" sz="3600" b="1" dirty="0" smtClean="0"/>
-              <a:t>of different sounds</a:t>
-            </a:r>
-            <a:endParaRPr lang="en-US" sz="3600" b="1" dirty="0" smtClean="0"/>
+              <a:t>Use of different sounds</a:t>
+            </a:r>
           </a:p>
           <a:p>
             <a:pPr marL="1314450" lvl="1" indent="-571500" eaLnBrk="1" hangingPunct="1">
@@ -7136,7 +7085,6 @@
               <a:rPr lang="en-US" sz="3600" dirty="0" smtClean="0"/>
               <a:t>Have a different sound accompany each type of weapon for the ship.  </a:t>
             </a:r>
-            <a:endParaRPr lang="en-US" sz="3600" dirty="0" smtClean="0"/>
           </a:p>
           <a:p>
             <a:pPr eaLnBrk="1" hangingPunct="1">
@@ -7148,293 +7096,6 @@
               </a:spcAft>
             </a:pPr>
             <a:endParaRPr lang="en-US" sz="2800" dirty="0" smtClean="0"/>
-          </a:p>
-        </p:txBody>
-      </p:sp>
-      <p:pic>
-        <p:nvPicPr>
-          <p:cNvPr id="57" name="Picture 56"/>
-          <p:cNvPicPr>
-            <a:picLocks noChangeAspect="1"/>
-          </p:cNvPicPr>
-          <p:nvPr/>
-        </p:nvPicPr>
-        <p:blipFill>
-          <a:blip r:embed="rId7">
-            <a:extLst>
-              <a:ext uri="{28A0092B-C50C-407E-A947-70E740481C1C}">
-                <a14:useLocalDpi xmlns:a14="http://schemas.microsoft.com/office/drawing/2010/main" val="0"/>
-              </a:ext>
-            </a:extLst>
-          </a:blip>
-          <a:stretch>
-            <a:fillRect/>
-          </a:stretch>
-        </p:blipFill>
-        <p:spPr>
-          <a:xfrm>
-            <a:off x="11565993" y="6532212"/>
-            <a:ext cx="5319473" cy="3999995"/>
-          </a:xfrm>
-          <a:prstGeom prst="rect">
-            <a:avLst/>
-          </a:prstGeom>
-          <a:ln w="12700">
-            <a:solidFill>
-              <a:schemeClr val="bg1"/>
-            </a:solidFill>
-          </a:ln>
-          <a:effectLst>
-            <a:outerShdw blurRad="50800" dist="38100" dir="2700000" algn="tl" rotWithShape="0">
-              <a:prstClr val="black">
-                <a:alpha val="40000"/>
-              </a:prstClr>
-            </a:outerShdw>
-          </a:effectLst>
-        </p:spPr>
-      </p:pic>
-      <p:pic>
-        <p:nvPicPr>
-          <p:cNvPr id="58" name="Picture 57"/>
-          <p:cNvPicPr>
-            <a:picLocks noChangeAspect="1"/>
-          </p:cNvPicPr>
-          <p:nvPr/>
-        </p:nvPicPr>
-        <p:blipFill>
-          <a:blip r:embed="rId8">
-            <a:extLst>
-              <a:ext uri="{28A0092B-C50C-407E-A947-70E740481C1C}">
-                <a14:useLocalDpi xmlns:a14="http://schemas.microsoft.com/office/drawing/2010/main" val="0"/>
-              </a:ext>
-            </a:extLst>
-          </a:blip>
-          <a:stretch>
-            <a:fillRect/>
-          </a:stretch>
-        </p:blipFill>
-        <p:spPr>
-          <a:xfrm>
-            <a:off x="9489890" y="9742782"/>
-            <a:ext cx="5434231" cy="4086288"/>
-          </a:xfrm>
-          <a:prstGeom prst="rect">
-            <a:avLst/>
-          </a:prstGeom>
-          <a:ln w="12700">
-            <a:solidFill>
-              <a:schemeClr val="bg1"/>
-            </a:solidFill>
-          </a:ln>
-          <a:effectLst>
-            <a:outerShdw blurRad="50800" dist="38100" dir="2700000" algn="tl" rotWithShape="0">
-              <a:prstClr val="black">
-                <a:alpha val="40000"/>
-              </a:prstClr>
-            </a:outerShdw>
-          </a:effectLst>
-        </p:spPr>
-      </p:pic>
-      <p:grpSp>
-        <p:nvGrpSpPr>
-          <p:cNvPr id="87" name="Group 86"/>
-          <p:cNvGrpSpPr/>
-          <p:nvPr/>
-        </p:nvGrpSpPr>
-        <p:grpSpPr>
-          <a:xfrm>
-            <a:off x="30860217" y="11171583"/>
-            <a:ext cx="12385374" cy="6674651"/>
-            <a:chOff x="30948379" y="11063583"/>
-            <a:chExt cx="12800150" cy="6050280"/>
-          </a:xfrm>
-          <a:effectLst>
-            <a:outerShdw blurRad="50800" dist="38100" dir="2700000" algn="tl" rotWithShape="0">
-              <a:prstClr val="black">
-                <a:alpha val="40000"/>
-              </a:prstClr>
-            </a:outerShdw>
-          </a:effectLst>
-        </p:grpSpPr>
-        <p:sp>
-          <p:nvSpPr>
-            <p:cNvPr id="85" name="Rounded Rectangle 84"/>
-            <p:cNvSpPr/>
-            <p:nvPr/>
-          </p:nvSpPr>
-          <p:spPr bwMode="auto">
-            <a:xfrm>
-              <a:off x="30948379" y="11063583"/>
-              <a:ext cx="12800150" cy="6050280"/>
-            </a:xfrm>
-            <a:prstGeom prst="roundRect">
-              <a:avLst/>
-            </a:prstGeom>
-            <a:solidFill>
-              <a:schemeClr val="bg1"/>
-            </a:solidFill>
-            <a:ln w="9525" cap="flat" cmpd="sng" algn="ctr">
-              <a:solidFill>
-                <a:schemeClr val="tx1"/>
-              </a:solidFill>
-              <a:prstDash val="solid"/>
-              <a:round/>
-              <a:headEnd type="none" w="med" len="med"/>
-              <a:tailEnd type="none" w="med" len="med"/>
-            </a:ln>
-            <a:effectLst/>
-          </p:spPr>
-          <p:txBody>
-            <a:bodyPr vert="horz" wrap="square" lIns="91440" tIns="45720" rIns="91440" bIns="45720" numCol="1" rtlCol="0" anchor="t" anchorCtr="0" compatLnSpc="1">
-              <a:prstTxWarp prst="textNoShape">
-                <a:avLst/>
-              </a:prstTxWarp>
-            </a:bodyPr>
-            <a:lstStyle/>
-            <a:p>
-              <a:pPr marL="0" marR="0" indent="0" algn="l" defTabSz="4703763" rtl="0" eaLnBrk="1" fontAlgn="base" latinLnBrk="0" hangingPunct="1">
-                <a:lnSpc>
-                  <a:spcPct val="100000"/>
-                </a:lnSpc>
-                <a:spcBef>
-                  <a:spcPct val="0"/>
-                </a:spcBef>
-                <a:spcAft>
-                  <a:spcPct val="0"/>
-                </a:spcAft>
-                <a:buClrTx/>
-                <a:buSzTx/>
-                <a:buFontTx/>
-                <a:buNone/>
-                <a:tabLst/>
-              </a:pPr>
-              <a:endParaRPr kumimoji="0" lang="en-US" sz="3000" b="0" i="0" u="none" strike="noStrike" cap="none" normalizeH="0" baseline="0" smtClean="0">
-                <a:ln>
-                  <a:noFill/>
-                </a:ln>
-                <a:solidFill>
-                  <a:schemeClr val="tx1"/>
-                </a:solidFill>
-                <a:effectLst/>
-                <a:latin typeface="Arial" charset="0"/>
-              </a:endParaRPr>
-            </a:p>
-          </p:txBody>
-        </p:sp>
-        <p:pic>
-          <p:nvPicPr>
-            <p:cNvPr id="4" name="Picture 3"/>
-            <p:cNvPicPr>
-              <a:picLocks noChangeAspect="1"/>
-            </p:cNvPicPr>
-            <p:nvPr/>
-          </p:nvPicPr>
-          <p:blipFill>
-            <a:blip r:embed="rId9"/>
-            <a:stretch>
-              <a:fillRect/>
-            </a:stretch>
-          </p:blipFill>
-          <p:spPr>
-            <a:xfrm>
-              <a:off x="31363155" y="11403034"/>
-              <a:ext cx="11970598" cy="5355267"/>
-            </a:xfrm>
-            <a:prstGeom prst="rect">
-              <a:avLst/>
-            </a:prstGeom>
-            <a:ln>
-              <a:noFill/>
-            </a:ln>
-            <a:effectLst/>
-          </p:spPr>
-        </p:pic>
-      </p:grpSp>
-      <p:sp>
-        <p:nvSpPr>
-          <p:cNvPr id="10" name="Right Arrow 9"/>
-          <p:cNvSpPr/>
-          <p:nvPr/>
-        </p:nvSpPr>
-        <p:spPr bwMode="auto">
-          <a:xfrm>
-            <a:off x="10840385" y="28211294"/>
-            <a:ext cx="2185131" cy="1306147"/>
-          </a:xfrm>
-          <a:prstGeom prst="rightArrow">
-            <a:avLst/>
-          </a:prstGeom>
-          <a:gradFill flip="none" rotWithShape="1">
-            <a:gsLst>
-              <a:gs pos="0">
-                <a:schemeClr val="accent1">
-                  <a:shade val="30000"/>
-                  <a:satMod val="115000"/>
-                </a:schemeClr>
-              </a:gs>
-              <a:gs pos="50000">
-                <a:schemeClr val="accent1">
-                  <a:shade val="67500"/>
-                  <a:satMod val="115000"/>
-                </a:schemeClr>
-              </a:gs>
-              <a:gs pos="100000">
-                <a:schemeClr val="accent1">
-                  <a:shade val="100000"/>
-                  <a:satMod val="115000"/>
-                </a:schemeClr>
-              </a:gs>
-            </a:gsLst>
-            <a:lin ang="16200000" scaled="1"/>
-            <a:tileRect/>
-          </a:gradFill>
-          <a:ln w="9525" cap="flat" cmpd="sng" algn="ctr">
-            <a:solidFill>
-              <a:schemeClr val="accent6">
-                <a:lumMod val="50000"/>
-              </a:schemeClr>
-            </a:solidFill>
-            <a:prstDash val="solid"/>
-            <a:round/>
-            <a:headEnd type="none" w="med" len="med"/>
-            <a:tailEnd type="none" w="med" len="med"/>
-          </a:ln>
-          <a:effectLst/>
-        </p:spPr>
-        <p:txBody>
-          <a:bodyPr vert="horz" wrap="square" lIns="91440" tIns="45720" rIns="91440" bIns="45720" numCol="1" rtlCol="0" anchor="t" anchorCtr="0" compatLnSpc="1">
-            <a:prstTxWarp prst="textNoShape">
-              <a:avLst/>
-            </a:prstTxWarp>
-          </a:bodyPr>
-          <a:lstStyle/>
-          <a:p>
-            <a:pPr marL="0" marR="0" indent="0" algn="l" defTabSz="4703763" rtl="0" eaLnBrk="1" fontAlgn="base" latinLnBrk="0" hangingPunct="1">
-              <a:lnSpc>
-                <a:spcPct val="100000"/>
-              </a:lnSpc>
-              <a:spcBef>
-                <a:spcPct val="0"/>
-              </a:spcBef>
-              <a:spcAft>
-                <a:spcPct val="0"/>
-              </a:spcAft>
-              <a:buClrTx/>
-              <a:buSzTx/>
-              <a:buFontTx/>
-              <a:buNone/>
-              <a:tabLst/>
-            </a:pPr>
-            <a:endParaRPr kumimoji="0" lang="en-US" sz="3000" b="0" i="0" u="none" strike="noStrike" cap="none" normalizeH="0" baseline="0" smtClean="0">
-              <a:ln>
-                <a:noFill/>
-              </a:ln>
-              <a:solidFill>
-                <a:schemeClr val="tx1"/>
-              </a:solidFill>
-              <a:effectLst/>
-              <a:latin typeface="Arial" charset="0"/>
-            </a:endParaRPr>
           </a:p>
         </p:txBody>
       </p:sp>
@@ -8076,625 +7737,6 @@
           </a:p>
         </p:txBody>
       </p:sp>
-      <p:grpSp>
-        <p:nvGrpSpPr>
-          <p:cNvPr id="17" name="Group 16"/>
-          <p:cNvGrpSpPr/>
-          <p:nvPr/>
-        </p:nvGrpSpPr>
-        <p:grpSpPr>
-          <a:xfrm>
-            <a:off x="31475815" y="18285903"/>
-            <a:ext cx="11660987" cy="3847823"/>
-            <a:chOff x="31106263" y="18897600"/>
-            <a:chExt cx="12632537" cy="4248150"/>
-          </a:xfrm>
-        </p:grpSpPr>
-        <p:sp>
-          <p:nvSpPr>
-            <p:cNvPr id="16" name="Rounded Rectangle 15"/>
-            <p:cNvSpPr/>
-            <p:nvPr/>
-          </p:nvSpPr>
-          <p:spPr bwMode="auto">
-            <a:xfrm>
-              <a:off x="31106263" y="18897600"/>
-              <a:ext cx="12632537" cy="4248150"/>
-            </a:xfrm>
-            <a:prstGeom prst="roundRect">
-              <a:avLst/>
-            </a:prstGeom>
-            <a:solidFill>
-              <a:schemeClr val="bg1"/>
-            </a:solidFill>
-            <a:ln w="9525" cap="flat" cmpd="sng" algn="ctr">
-              <a:solidFill>
-                <a:schemeClr val="tx1"/>
-              </a:solidFill>
-              <a:prstDash val="solid"/>
-              <a:round/>
-              <a:headEnd type="none" w="med" len="med"/>
-              <a:tailEnd type="none" w="med" len="med"/>
-            </a:ln>
-            <a:effectLst>
-              <a:outerShdw blurRad="50800" dist="38100" dir="2700000" algn="tl" rotWithShape="0">
-                <a:prstClr val="black">
-                  <a:alpha val="40000"/>
-                </a:prstClr>
-              </a:outerShdw>
-            </a:effectLst>
-          </p:spPr>
-          <p:txBody>
-            <a:bodyPr vert="horz" wrap="square" lIns="91440" tIns="45720" rIns="91440" bIns="45720" numCol="1" rtlCol="0" anchor="t" anchorCtr="0" compatLnSpc="1">
-              <a:prstTxWarp prst="textNoShape">
-                <a:avLst/>
-              </a:prstTxWarp>
-            </a:bodyPr>
-            <a:lstStyle/>
-            <a:p>
-              <a:pPr marL="0" marR="0" indent="0" algn="l" defTabSz="4703763" rtl="0" eaLnBrk="1" fontAlgn="base" latinLnBrk="0" hangingPunct="1">
-                <a:lnSpc>
-                  <a:spcPct val="100000"/>
-                </a:lnSpc>
-                <a:spcBef>
-                  <a:spcPct val="0"/>
-                </a:spcBef>
-                <a:spcAft>
-                  <a:spcPct val="0"/>
-                </a:spcAft>
-                <a:buClrTx/>
-                <a:buSzTx/>
-                <a:buFontTx/>
-                <a:buNone/>
-                <a:tabLst/>
-              </a:pPr>
-              <a:endParaRPr kumimoji="0" lang="en-US" sz="3000" b="0" i="0" u="none" strike="noStrike" cap="none" normalizeH="0" baseline="0" smtClean="0">
-                <a:ln>
-                  <a:noFill/>
-                </a:ln>
-                <a:solidFill>
-                  <a:schemeClr val="tx1"/>
-                </a:solidFill>
-                <a:effectLst/>
-                <a:latin typeface="Arial" charset="0"/>
-              </a:endParaRPr>
-            </a:p>
-          </p:txBody>
-        </p:sp>
-        <p:pic>
-          <p:nvPicPr>
-            <p:cNvPr id="11" name="Picture 10"/>
-            <p:cNvPicPr>
-              <a:picLocks noChangeAspect="1"/>
-            </p:cNvPicPr>
-            <p:nvPr/>
-          </p:nvPicPr>
-          <p:blipFill>
-            <a:blip r:embed="rId10"/>
-            <a:stretch>
-              <a:fillRect/>
-            </a:stretch>
-          </p:blipFill>
-          <p:spPr>
-            <a:xfrm>
-              <a:off x="31475815" y="19275760"/>
-              <a:ext cx="11970598" cy="3580147"/>
-            </a:xfrm>
-            <a:prstGeom prst="rect">
-              <a:avLst/>
-            </a:prstGeom>
-            <a:effectLst/>
-          </p:spPr>
-        </p:pic>
-      </p:grpSp>
-      <p:grpSp>
-        <p:nvGrpSpPr>
-          <p:cNvPr id="15" name="Group 14"/>
-          <p:cNvGrpSpPr/>
-          <p:nvPr/>
-        </p:nvGrpSpPr>
-        <p:grpSpPr>
-          <a:xfrm>
-            <a:off x="23767940" y="24216360"/>
-            <a:ext cx="7664552" cy="8284459"/>
-            <a:chOff x="24414902" y="24886919"/>
-            <a:chExt cx="7017590" cy="7613899"/>
-          </a:xfrm>
-        </p:grpSpPr>
-        <p:sp>
-          <p:nvSpPr>
-            <p:cNvPr id="14" name="Rounded Rectangle 13"/>
-            <p:cNvSpPr/>
-            <p:nvPr/>
-          </p:nvSpPr>
-          <p:spPr bwMode="auto">
-            <a:xfrm>
-              <a:off x="24414902" y="24886919"/>
-              <a:ext cx="7017590" cy="7613899"/>
-            </a:xfrm>
-            <a:prstGeom prst="roundRect">
-              <a:avLst/>
-            </a:prstGeom>
-            <a:solidFill>
-              <a:schemeClr val="bg1"/>
-            </a:solidFill>
-            <a:ln w="9525" cap="flat" cmpd="sng" algn="ctr">
-              <a:solidFill>
-                <a:schemeClr val="accent6">
-                  <a:lumMod val="50000"/>
-                </a:schemeClr>
-              </a:solidFill>
-              <a:prstDash val="solid"/>
-              <a:round/>
-              <a:headEnd type="none" w="med" len="med"/>
-              <a:tailEnd type="none" w="med" len="med"/>
-            </a:ln>
-            <a:effectLst>
-              <a:outerShdw blurRad="50800" dist="38100" dir="2700000" algn="tl" rotWithShape="0">
-                <a:prstClr val="black">
-                  <a:alpha val="40000"/>
-                </a:prstClr>
-              </a:outerShdw>
-            </a:effectLst>
-          </p:spPr>
-          <p:txBody>
-            <a:bodyPr vert="horz" wrap="square" lIns="91440" tIns="45720" rIns="91440" bIns="45720" numCol="1" rtlCol="0" anchor="t" anchorCtr="0" compatLnSpc="1">
-              <a:prstTxWarp prst="textNoShape">
-                <a:avLst/>
-              </a:prstTxWarp>
-            </a:bodyPr>
-            <a:lstStyle/>
-            <a:p>
-              <a:pPr marL="0" marR="0" indent="0" algn="l" defTabSz="4703763" rtl="0" eaLnBrk="1" fontAlgn="base" latinLnBrk="0" hangingPunct="1">
-                <a:lnSpc>
-                  <a:spcPct val="100000"/>
-                </a:lnSpc>
-                <a:spcBef>
-                  <a:spcPct val="0"/>
-                </a:spcBef>
-                <a:spcAft>
-                  <a:spcPct val="0"/>
-                </a:spcAft>
-                <a:buClrTx/>
-                <a:buSzTx/>
-                <a:buFontTx/>
-                <a:buNone/>
-                <a:tabLst/>
-              </a:pPr>
-              <a:endParaRPr kumimoji="0" lang="en-US" sz="3000" b="0" i="0" u="none" strike="noStrike" cap="none" normalizeH="0" baseline="0" smtClean="0">
-                <a:ln>
-                  <a:noFill/>
-                </a:ln>
-                <a:solidFill>
-                  <a:schemeClr val="tx1"/>
-                </a:solidFill>
-                <a:effectLst/>
-                <a:latin typeface="Arial" charset="0"/>
-              </a:endParaRPr>
-            </a:p>
-          </p:txBody>
-        </p:sp>
-        <p:pic>
-          <p:nvPicPr>
-            <p:cNvPr id="12" name="Picture 11"/>
-            <p:cNvPicPr>
-              <a:picLocks noChangeAspect="1"/>
-            </p:cNvPicPr>
-            <p:nvPr/>
-          </p:nvPicPr>
-          <p:blipFill>
-            <a:blip r:embed="rId11"/>
-            <a:stretch>
-              <a:fillRect/>
-            </a:stretch>
-          </p:blipFill>
-          <p:spPr>
-            <a:xfrm>
-              <a:off x="24565313" y="27577617"/>
-              <a:ext cx="6716768" cy="4224461"/>
-            </a:xfrm>
-            <a:prstGeom prst="rect">
-              <a:avLst/>
-            </a:prstGeom>
-          </p:spPr>
-        </p:pic>
-        <p:pic>
-          <p:nvPicPr>
-            <p:cNvPr id="13" name="Picture 12"/>
-            <p:cNvPicPr>
-              <a:picLocks noChangeAspect="1"/>
-            </p:cNvPicPr>
-            <p:nvPr/>
-          </p:nvPicPr>
-          <p:blipFill>
-            <a:blip r:embed="rId12"/>
-            <a:stretch>
-              <a:fillRect/>
-            </a:stretch>
-          </p:blipFill>
-          <p:spPr>
-            <a:xfrm>
-              <a:off x="24618081" y="25507043"/>
-              <a:ext cx="6488182" cy="2128935"/>
-            </a:xfrm>
-            <a:prstGeom prst="rect">
-              <a:avLst/>
-            </a:prstGeom>
-          </p:spPr>
-        </p:pic>
-      </p:grpSp>
-      <p:sp>
-        <p:nvSpPr>
-          <p:cNvPr id="212" name="Text Box 55"/>
-          <p:cNvSpPr txBox="1">
-            <a:spLocks noChangeArrowheads="1"/>
-          </p:cNvSpPr>
-          <p:nvPr/>
-        </p:nvSpPr>
-        <p:spPr bwMode="auto">
-          <a:xfrm>
-            <a:off x="31528645" y="22476541"/>
-            <a:ext cx="12362555" cy="2477601"/>
-          </a:xfrm>
-          <a:prstGeom prst="rect">
-            <a:avLst/>
-          </a:prstGeom>
-          <a:noFill/>
-          <a:ln>
-            <a:noFill/>
-          </a:ln>
-          <a:extLst>
-            <a:ext uri="{909E8E84-426E-40DD-AFC4-6F175D3DCCD1}">
-              <a14:hiddenFill xmlns:a14="http://schemas.microsoft.com/office/drawing/2010/main">
-                <a:solidFill>
-                  <a:srgbClr val="FFFFFF"/>
-                </a:solidFill>
-              </a14:hiddenFill>
-            </a:ext>
-            <a:ext uri="{91240B29-F687-4F45-9708-019B960494DF}">
-              <a14:hiddenLine xmlns:a14="http://schemas.microsoft.com/office/drawing/2010/main" w="9525">
-                <a:solidFill>
-                  <a:srgbClr val="000000"/>
-                </a:solidFill>
-                <a:miter lim="800000"/>
-                <a:headEnd/>
-                <a:tailEnd/>
-              </a14:hiddenLine>
-            </a:ext>
-          </a:extLst>
-        </p:spPr>
-        <p:txBody>
-          <a:bodyPr wrap="square" lIns="137160" tIns="68580" rIns="137160" bIns="68580">
-            <a:spAutoFit/>
-          </a:bodyPr>
-          <a:lstStyle>
-            <a:lvl1pPr eaLnBrk="0" hangingPunct="0">
-              <a:defRPr sz="3000">
-                <a:solidFill>
-                  <a:schemeClr val="tx1"/>
-                </a:solidFill>
-                <a:latin typeface="Arial" panose="020B0604020202020204" pitchFamily="34" charset="0"/>
-              </a:defRPr>
-            </a:lvl1pPr>
-            <a:lvl2pPr marL="742950" indent="-285750" eaLnBrk="0" hangingPunct="0">
-              <a:defRPr sz="3000">
-                <a:solidFill>
-                  <a:schemeClr val="tx1"/>
-                </a:solidFill>
-                <a:latin typeface="Arial" panose="020B0604020202020204" pitchFamily="34" charset="0"/>
-              </a:defRPr>
-            </a:lvl2pPr>
-            <a:lvl3pPr marL="1143000" indent="-228600" eaLnBrk="0" hangingPunct="0">
-              <a:defRPr sz="3000">
-                <a:solidFill>
-                  <a:schemeClr val="tx1"/>
-                </a:solidFill>
-                <a:latin typeface="Arial" panose="020B0604020202020204" pitchFamily="34" charset="0"/>
-              </a:defRPr>
-            </a:lvl3pPr>
-            <a:lvl4pPr marL="1600200" indent="-228600" eaLnBrk="0" hangingPunct="0">
-              <a:defRPr sz="3000">
-                <a:solidFill>
-                  <a:schemeClr val="tx1"/>
-                </a:solidFill>
-                <a:latin typeface="Arial" panose="020B0604020202020204" pitchFamily="34" charset="0"/>
-              </a:defRPr>
-            </a:lvl4pPr>
-            <a:lvl5pPr marL="2057400" indent="-228600" eaLnBrk="0" hangingPunct="0">
-              <a:defRPr sz="3000">
-                <a:solidFill>
-                  <a:schemeClr val="tx1"/>
-                </a:solidFill>
-                <a:latin typeface="Arial" panose="020B0604020202020204" pitchFamily="34" charset="0"/>
-              </a:defRPr>
-            </a:lvl5pPr>
-            <a:lvl6pPr marL="2514600" indent="-228600" eaLnBrk="0" fontAlgn="base" hangingPunct="0">
-              <a:spcBef>
-                <a:spcPct val="0"/>
-              </a:spcBef>
-              <a:spcAft>
-                <a:spcPct val="0"/>
-              </a:spcAft>
-              <a:defRPr sz="3000">
-                <a:solidFill>
-                  <a:schemeClr val="tx1"/>
-                </a:solidFill>
-                <a:latin typeface="Arial" panose="020B0604020202020204" pitchFamily="34" charset="0"/>
-              </a:defRPr>
-            </a:lvl6pPr>
-            <a:lvl7pPr marL="2971800" indent="-228600" eaLnBrk="0" fontAlgn="base" hangingPunct="0">
-              <a:spcBef>
-                <a:spcPct val="0"/>
-              </a:spcBef>
-              <a:spcAft>
-                <a:spcPct val="0"/>
-              </a:spcAft>
-              <a:defRPr sz="3000">
-                <a:solidFill>
-                  <a:schemeClr val="tx1"/>
-                </a:solidFill>
-                <a:latin typeface="Arial" panose="020B0604020202020204" pitchFamily="34" charset="0"/>
-              </a:defRPr>
-            </a:lvl7pPr>
-            <a:lvl8pPr marL="3429000" indent="-228600" eaLnBrk="0" fontAlgn="base" hangingPunct="0">
-              <a:spcBef>
-                <a:spcPct val="0"/>
-              </a:spcBef>
-              <a:spcAft>
-                <a:spcPct val="0"/>
-              </a:spcAft>
-              <a:defRPr sz="3000">
-                <a:solidFill>
-                  <a:schemeClr val="tx1"/>
-                </a:solidFill>
-                <a:latin typeface="Arial" panose="020B0604020202020204" pitchFamily="34" charset="0"/>
-              </a:defRPr>
-            </a:lvl8pPr>
-            <a:lvl9pPr marL="3886200" indent="-228600" eaLnBrk="0" fontAlgn="base" hangingPunct="0">
-              <a:spcBef>
-                <a:spcPct val="0"/>
-              </a:spcBef>
-              <a:spcAft>
-                <a:spcPct val="0"/>
-              </a:spcAft>
-              <a:defRPr sz="3000">
-                <a:solidFill>
-                  <a:schemeClr val="tx1"/>
-                </a:solidFill>
-                <a:latin typeface="Arial" panose="020B0604020202020204" pitchFamily="34" charset="0"/>
-              </a:defRPr>
-            </a:lvl9pPr>
-          </a:lstStyle>
-          <a:p>
-            <a:pPr eaLnBrk="1" hangingPunct="1">
-              <a:spcBef>
-                <a:spcPts val="1200"/>
-              </a:spcBef>
-              <a:spcAft>
-                <a:spcPts val="1200"/>
-              </a:spcAft>
-            </a:pPr>
-            <a:r>
-              <a:rPr lang="en-US" sz="2800" dirty="0" smtClean="0"/>
-              <a:t>Rotation sets the “facing” component.</a:t>
-            </a:r>
-          </a:p>
-          <a:p>
-            <a:pPr eaLnBrk="1" hangingPunct="1">
-              <a:spcBef>
-                <a:spcPts val="1200"/>
-              </a:spcBef>
-              <a:spcAft>
-                <a:spcPts val="1200"/>
-              </a:spcAft>
-            </a:pPr>
-            <a:r>
-              <a:rPr lang="en-US" sz="2800" dirty="0" smtClean="0"/>
-              <a:t>Thrust is accelerated at a constant rate of 2 pixels per tick up to the </a:t>
-            </a:r>
-            <a:br>
-              <a:rPr lang="en-US" sz="2800" dirty="0" smtClean="0"/>
-            </a:br>
-            <a:r>
-              <a:rPr lang="en-US" sz="2800" dirty="0" smtClean="0"/>
-              <a:t>maximum ship speed.</a:t>
-            </a:r>
-          </a:p>
-          <a:p>
-            <a:pPr eaLnBrk="1" hangingPunct="1">
-              <a:spcBef>
-                <a:spcPts val="1200"/>
-              </a:spcBef>
-              <a:spcAft>
-                <a:spcPts val="1200"/>
-              </a:spcAft>
-            </a:pPr>
-            <a:r>
-              <a:rPr lang="en-US" sz="2800" dirty="0" smtClean="0"/>
-              <a:t>Result MovementVector direction is calculated for the appropriate quadrant.</a:t>
-            </a:r>
-            <a:endParaRPr lang="en-US" sz="2000" dirty="0" smtClean="0"/>
-          </a:p>
-        </p:txBody>
-      </p:sp>
-      <p:grpSp>
-        <p:nvGrpSpPr>
-          <p:cNvPr id="60" name="Group 59"/>
-          <p:cNvGrpSpPr/>
-          <p:nvPr/>
-        </p:nvGrpSpPr>
-        <p:grpSpPr>
-          <a:xfrm>
-            <a:off x="28589922" y="24581127"/>
-            <a:ext cx="3022302" cy="3965249"/>
-            <a:chOff x="28742639" y="24640353"/>
-            <a:chExt cx="2841568" cy="3984561"/>
-          </a:xfrm>
-        </p:grpSpPr>
-        <p:cxnSp>
-          <p:nvCxnSpPr>
-            <p:cNvPr id="46" name="Elbow Connector 45"/>
-            <p:cNvCxnSpPr/>
-            <p:nvPr/>
-          </p:nvCxnSpPr>
-          <p:spPr bwMode="auto">
-            <a:xfrm rot="5400000">
-              <a:off x="27926138" y="25456854"/>
-              <a:ext cx="3984561" cy="2351560"/>
-            </a:xfrm>
-            <a:prstGeom prst="bentConnector3">
-              <a:avLst>
-                <a:gd name="adj1" fmla="val 100104"/>
-              </a:avLst>
-            </a:prstGeom>
-            <a:solidFill>
-              <a:schemeClr val="accent1"/>
-            </a:solidFill>
-            <a:ln w="9525" cap="flat" cmpd="sng" algn="ctr">
-              <a:solidFill>
-                <a:schemeClr val="tx1"/>
-              </a:solidFill>
-              <a:prstDash val="solid"/>
-              <a:round/>
-              <a:headEnd type="none" w="med" len="med"/>
-              <a:tailEnd type="arrow" w="med" len="med"/>
-            </a:ln>
-            <a:effectLst/>
-          </p:spPr>
-        </p:cxnSp>
-        <p:cxnSp>
-          <p:nvCxnSpPr>
-            <p:cNvPr id="49" name="Straight Connector 48"/>
-            <p:cNvCxnSpPr/>
-            <p:nvPr/>
-          </p:nvCxnSpPr>
-          <p:spPr bwMode="auto">
-            <a:xfrm>
-              <a:off x="31107711" y="24640353"/>
-              <a:ext cx="476496" cy="0"/>
-            </a:xfrm>
-            <a:prstGeom prst="line">
-              <a:avLst/>
-            </a:prstGeom>
-            <a:solidFill>
-              <a:schemeClr val="accent1"/>
-            </a:solidFill>
-            <a:ln w="9525" cap="flat" cmpd="sng" algn="ctr">
-              <a:solidFill>
-                <a:schemeClr val="tx1"/>
-              </a:solidFill>
-              <a:prstDash val="solid"/>
-              <a:round/>
-              <a:headEnd type="none" w="med" len="med"/>
-              <a:tailEnd type="none" w="med" len="med"/>
-            </a:ln>
-            <a:effectLst/>
-          </p:spPr>
-        </p:cxnSp>
-      </p:grpSp>
-      <p:cxnSp>
-        <p:nvCxnSpPr>
-          <p:cNvPr id="63" name="Elbow Connector 62"/>
-          <p:cNvCxnSpPr/>
-          <p:nvPr/>
-        </p:nvCxnSpPr>
-        <p:spPr bwMode="auto">
-          <a:xfrm rot="10800000" flipV="1">
-            <a:off x="26246024" y="23491171"/>
-            <a:ext cx="5408378" cy="2737825"/>
-          </a:xfrm>
-          <a:prstGeom prst="bentConnector3">
-            <a:avLst>
-              <a:gd name="adj1" fmla="val 18158"/>
-            </a:avLst>
-          </a:prstGeom>
-          <a:solidFill>
-            <a:schemeClr val="accent1"/>
-          </a:solidFill>
-          <a:ln w="9525" cap="flat" cmpd="sng" algn="ctr">
-            <a:solidFill>
-              <a:schemeClr val="tx1"/>
-            </a:solidFill>
-            <a:prstDash val="solid"/>
-            <a:round/>
-            <a:headEnd type="none" w="med" len="med"/>
-            <a:tailEnd type="triangle"/>
-          </a:ln>
-          <a:effectLst/>
-        </p:spPr>
-      </p:cxnSp>
-      <p:cxnSp>
-        <p:nvCxnSpPr>
-          <p:cNvPr id="69" name="Elbow Connector 68"/>
-          <p:cNvCxnSpPr/>
-          <p:nvPr/>
-        </p:nvCxnSpPr>
-        <p:spPr bwMode="auto">
-          <a:xfrm rot="10800000" flipV="1">
-            <a:off x="26639521" y="22723660"/>
-            <a:ext cx="4944689" cy="2540123"/>
-          </a:xfrm>
-          <a:prstGeom prst="bentConnector3">
-            <a:avLst>
-              <a:gd name="adj1" fmla="val 26576"/>
-            </a:avLst>
-          </a:prstGeom>
-          <a:solidFill>
-            <a:schemeClr val="accent1"/>
-          </a:solidFill>
-          <a:ln w="9525" cap="flat" cmpd="sng" algn="ctr">
-            <a:solidFill>
-              <a:schemeClr val="tx1"/>
-            </a:solidFill>
-            <a:prstDash val="solid"/>
-            <a:round/>
-            <a:headEnd type="none" w="med" len="med"/>
-            <a:tailEnd type="triangle"/>
-          </a:ln>
-          <a:effectLst/>
-        </p:spPr>
-      </p:cxnSp>
-      <p:pic>
-        <p:nvPicPr>
-          <p:cNvPr id="1026" name="Picture 2" descr="C:\Users\Gordon\Desktop\OriginalMotion.png"/>
-          <p:cNvPicPr>
-            <a:picLocks noChangeAspect="1" noChangeArrowheads="1"/>
-          </p:cNvPicPr>
-          <p:nvPr/>
-        </p:nvPicPr>
-        <p:blipFill>
-          <a:blip r:embed="rId13">
-            <a:extLst>
-              <a:ext uri="{28A0092B-C50C-407E-A947-70E740481C1C}">
-                <a14:useLocalDpi xmlns:a14="http://schemas.microsoft.com/office/drawing/2010/main" val="0"/>
-              </a:ext>
-            </a:extLst>
-          </a:blip>
-          <a:srcRect/>
-          <a:stretch>
-            <a:fillRect/>
-          </a:stretch>
-        </p:blipFill>
-        <p:spPr bwMode="auto">
-          <a:xfrm>
-            <a:off x="663752" y="25042071"/>
-            <a:ext cx="9803552" cy="7342632"/>
-          </a:xfrm>
-          <a:prstGeom prst="rect">
-            <a:avLst/>
-          </a:prstGeom>
-          <a:noFill/>
-          <a:extLst>
-            <a:ext uri="{909E8E84-426E-40DD-AFC4-6F175D3DCCD1}">
-              <a14:hiddenFill xmlns:a14="http://schemas.microsoft.com/office/drawing/2010/main">
-                <a:solidFill>
-                  <a:srgbClr val="FFFFFF"/>
-                </a:solidFill>
-              </a14:hiddenFill>
-            </a:ext>
-          </a:extLst>
-        </p:spPr>
-      </p:pic>
     </p:spTree>
   </p:cSld>
   <p:clrMapOvr>

--- a/SDDPoster.pptx
+++ b/SDDPoster.pptx
@@ -12,22 +12,6 @@
   </p:sldIdLst>
   <p:sldSz cx="43891200" cy="32918400"/>
   <p:notesSz cx="9094788" cy="13573125"/>
-  <p:embeddedFontLst>
-    <p:embeddedFont>
-      <p:font typeface="Calibri" panose="020F0502020204030204" pitchFamily="34" charset="0"/>
-      <p:regular r:id="rId4"/>
-      <p:bold r:id="rId5"/>
-      <p:italic r:id="rId6"/>
-      <p:boldItalic r:id="rId7"/>
-    </p:embeddedFont>
-    <p:embeddedFont>
-      <p:font typeface="Gill Sans MT" panose="020B0502020104020203" pitchFamily="34" charset="0"/>
-      <p:regular r:id="rId8"/>
-      <p:bold r:id="rId9"/>
-      <p:italic r:id="rId10"/>
-      <p:boldItalic r:id="rId11"/>
-    </p:embeddedFont>
-  </p:embeddedFontLst>
   <p:defaultTextStyle>
     <a:defPPr>
       <a:defRPr lang="en-US"/>
@@ -155,7 +139,7 @@
   </p:defaultTextStyle>
   <p:extLst>
     <p:ext uri="{EFAFB233-063F-42B5-8137-9DF3F51BA10A}">
-      <p15:sldGuideLst xmlns:p15="http://schemas.microsoft.com/office/powerpoint/2012/main">
+      <p15:sldGuideLst xmlns:p15="http://schemas.microsoft.com/office/powerpoint/2012/main" xmlns="">
         <p15:guide id="1" orient="horz" pos="10368" userDrawn="1">
           <p15:clr>
             <a:srgbClr val="A4A3A4"/>
@@ -321,7 +305,7 @@
             <a:tailEnd/>
           </a:ln>
           <a:extLst>
-            <a:ext uri="{909E8E84-426E-40DD-AFC4-6F175D3DCCD1}">
+            <a:ext uri="{909E8E84-426E-40dd-AFC4-6F175D3DCCD1}">
               <a14:hiddenFill xmlns:a14="http://schemas.microsoft.com/office/drawing/2010/main">
                 <a:solidFill>
                   <a:srgbClr val="FFFFFF"/>
@@ -662,14 +646,14 @@
           <a:noFill/>
           <a:ln/>
           <a:extLst>
-            <a:ext uri="{909E8E84-426E-40DD-AFC4-6F175D3DCCD1}">
+            <a:ext uri="{909E8E84-426E-40dd-AFC4-6F175D3DCCD1}">
               <a14:hiddenFill xmlns:a14="http://schemas.microsoft.com/office/drawing/2010/main">
                 <a:solidFill>
                   <a:srgbClr val="FFFFFF"/>
                 </a:solidFill>
               </a14:hiddenFill>
             </a:ext>
-            <a:ext uri="{91240B29-F687-4F45-9708-019B960494DF}">
+            <a:ext uri="{91240B29-F687-4f45-9708-019B960494DF}">
               <a14:hiddenLine xmlns:a14="http://schemas.microsoft.com/office/drawing/2010/main" w="9525">
                 <a:solidFill>
                   <a:srgbClr val="000000"/>
@@ -824,14 +808,14 @@
           <a:noFill/>
           <a:ln/>
           <a:extLst>
-            <a:ext uri="{909E8E84-426E-40DD-AFC4-6F175D3DCCD1}">
+            <a:ext uri="{909E8E84-426E-40dd-AFC4-6F175D3DCCD1}">
               <a14:hiddenFill xmlns:a14="http://schemas.microsoft.com/office/drawing/2010/main">
                 <a:solidFill>
                   <a:srgbClr val="FFFFFF"/>
                 </a:solidFill>
               </a14:hiddenFill>
             </a:ext>
-            <a:ext uri="{91240B29-F687-4F45-9708-019B960494DF}">
+            <a:ext uri="{91240B29-F687-4f45-9708-019B960494DF}">
               <a14:hiddenLine xmlns:a14="http://schemas.microsoft.com/office/drawing/2010/main" w="9525">
                 <a:solidFill>
                   <a:srgbClr val="000000"/>
@@ -3505,14 +3489,14 @@
             <a:noFill/>
           </a:ln>
           <a:extLst>
-            <a:ext uri="{909E8E84-426E-40DD-AFC4-6F175D3DCCD1}">
+            <a:ext uri="{909E8E84-426E-40dd-AFC4-6F175D3DCCD1}">
               <a14:hiddenFill xmlns:a14="http://schemas.microsoft.com/office/drawing/2010/main">
                 <a:solidFill>
                   <a:srgbClr val="FFFFFF"/>
                 </a:solidFill>
               </a14:hiddenFill>
             </a:ext>
-            <a:ext uri="{91240B29-F687-4F45-9708-019B960494DF}">
+            <a:ext uri="{91240B29-F687-4f45-9708-019B960494DF}">
               <a14:hiddenLine xmlns:a14="http://schemas.microsoft.com/office/drawing/2010/main" w="9525">
                 <a:solidFill>
                   <a:srgbClr val="000000"/>
@@ -3563,14 +3547,14 @@
             <a:noFill/>
           </a:ln>
           <a:extLst>
-            <a:ext uri="{909E8E84-426E-40DD-AFC4-6F175D3DCCD1}">
+            <a:ext uri="{909E8E84-426E-40dd-AFC4-6F175D3DCCD1}">
               <a14:hiddenFill xmlns:a14="http://schemas.microsoft.com/office/drawing/2010/main">
                 <a:solidFill>
                   <a:srgbClr val="FFFFFF"/>
                 </a:solidFill>
               </a14:hiddenFill>
             </a:ext>
-            <a:ext uri="{91240B29-F687-4F45-9708-019B960494DF}">
+            <a:ext uri="{91240B29-F687-4f45-9708-019B960494DF}">
               <a14:hiddenLine xmlns:a14="http://schemas.microsoft.com/office/drawing/2010/main" w="9525">
                 <a:solidFill>
                   <a:srgbClr val="000000"/>
@@ -4160,9 +4144,12 @@
   <p:cSld>
     <p:bg>
       <p:bgPr>
-        <a:solidFill>
-          <a:srgbClr val="99CCFF"/>
-        </a:solidFill>
+        <a:blipFill rotWithShape="1">
+          <a:blip r:embed="rId3">
+            <a:alphaModFix amt="12000"/>
+          </a:blip>
+          <a:tile tx="0" ty="0" sx="100000" sy="100000" flip="none" algn="tl"/>
+        </a:blipFill>
         <a:effectLst/>
       </p:bgPr>
     </p:bg>
@@ -4189,7 +4176,7 @@
           <p:nvPr/>
         </p:nvPicPr>
         <p:blipFill>
-          <a:blip r:embed="rId3" cstate="print">
+          <a:blip r:embed="rId4" cstate="print">
             <a:duotone>
               <a:prstClr val="black"/>
               <a:schemeClr val="accent6">
@@ -4230,14 +4217,14 @@
             </a:outerShdw>
           </a:effectLst>
           <a:extLst>
-            <a:ext uri="{909E8E84-426E-40DD-AFC4-6F175D3DCCD1}">
+            <a:ext uri="{909E8E84-426E-40dd-AFC4-6F175D3DCCD1}">
               <a14:hiddenFill xmlns:a14="http://schemas.microsoft.com/office/drawing/2010/main">
                 <a:solidFill>
                   <a:srgbClr val="FFFFFF"/>
                 </a:solidFill>
               </a14:hiddenFill>
             </a:ext>
-            <a:ext uri="{91240B29-F687-4F45-9708-019B960494DF}">
+            <a:ext uri="{91240B29-F687-4f45-9708-019B960494DF}">
               <a14:hiddenLine xmlns:a14="http://schemas.microsoft.com/office/drawing/2010/main" w="9525">
                 <a:solidFill>
                   <a:srgbClr val="000000"/>
@@ -4399,7 +4386,7 @@
           <p:nvPr/>
         </p:nvPicPr>
         <p:blipFill>
-          <a:blip r:embed="rId3" cstate="print">
+          <a:blip r:embed="rId4" cstate="print">
             <a:duotone>
               <a:prstClr val="black"/>
               <a:schemeClr val="accent6">
@@ -4440,14 +4427,14 @@
             </a:outerShdw>
           </a:effectLst>
           <a:extLst>
-            <a:ext uri="{909E8E84-426E-40DD-AFC4-6F175D3DCCD1}">
+            <a:ext uri="{909E8E84-426E-40dd-AFC4-6F175D3DCCD1}">
               <a14:hiddenFill xmlns:a14="http://schemas.microsoft.com/office/drawing/2010/main">
                 <a:solidFill>
                   <a:srgbClr val="FFFFFF"/>
                 </a:solidFill>
               </a14:hiddenFill>
             </a:ext>
-            <a:ext uri="{91240B29-F687-4F45-9708-019B960494DF}">
+            <a:ext uri="{91240B29-F687-4f45-9708-019B960494DF}">
               <a14:hiddenLine xmlns:a14="http://schemas.microsoft.com/office/drawing/2010/main" w="9525">
                 <a:solidFill>
                   <a:srgbClr val="000000"/>
@@ -4471,7 +4458,7 @@
         <p:spPr bwMode="auto">
           <a:xfrm>
             <a:off x="152400" y="0"/>
-            <a:ext cx="24003000" cy="4632037"/>
+            <a:ext cx="20009670" cy="4939814"/>
           </a:xfrm>
           <a:prstGeom prst="rect">
             <a:avLst/>
@@ -4481,14 +4468,14 @@
             <a:noFill/>
           </a:ln>
           <a:extLst>
-            <a:ext uri="{909E8E84-426E-40DD-AFC4-6F175D3DCCD1}">
+            <a:ext uri="{909E8E84-426E-40dd-AFC4-6F175D3DCCD1}">
               <a14:hiddenFill xmlns:a14="http://schemas.microsoft.com/office/drawing/2010/main">
                 <a:solidFill>
                   <a:srgbClr val="FFFFFF"/>
                 </a:solidFill>
               </a14:hiddenFill>
             </a:ext>
-            <a:ext uri="{91240B29-F687-4F45-9708-019B960494DF}">
+            <a:ext uri="{91240B29-F687-4f45-9708-019B960494DF}">
               <a14:hiddenLine xmlns:a14="http://schemas.microsoft.com/office/drawing/2010/main" w="9525">
                 <a:solidFill>
                   <a:srgbClr val="000000"/>
@@ -4607,7 +4594,9 @@
             <a:r>
               <a:rPr lang="en-US" sz="9600" b="1" dirty="0" smtClean="0">
                 <a:solidFill>
-                  <a:schemeClr val="bg1"/>
+                  <a:schemeClr val="accent6">
+                    <a:lumMod val="50000"/>
+                  </a:schemeClr>
                 </a:solidFill>
                 <a:effectLst>
                   <a:outerShdw blurRad="38100" dist="38100" dir="2700000" algn="tl">
@@ -4623,7 +4612,9 @@
             <a:r>
               <a:rPr lang="en-US" sz="9600" b="1" dirty="0">
                 <a:solidFill>
-                  <a:schemeClr val="bg1"/>
+                  <a:schemeClr val="accent6">
+                    <a:lumMod val="50000"/>
+                  </a:schemeClr>
                 </a:solidFill>
                 <a:effectLst>
                   <a:outerShdw blurRad="38100" dist="38100" dir="2700000" algn="tl">
@@ -4639,7 +4630,9 @@
             <a:r>
               <a:rPr lang="en-US" sz="6000" b="1" dirty="0" smtClean="0">
                 <a:solidFill>
-                  <a:schemeClr val="bg1"/>
+                  <a:schemeClr val="accent6">
+                    <a:lumMod val="50000"/>
+                  </a:schemeClr>
                 </a:solidFill>
                 <a:effectLst>
                   <a:outerShdw blurRad="38100" dist="38100" dir="2700000" algn="tl">
@@ -4655,7 +4648,9 @@
             <a:br>
               <a:rPr lang="en-US" sz="6000" b="1" dirty="0" smtClean="0">
                 <a:solidFill>
-                  <a:schemeClr val="bg1"/>
+                  <a:schemeClr val="accent6">
+                    <a:lumMod val="50000"/>
+                  </a:schemeClr>
                 </a:solidFill>
                 <a:effectLst>
                   <a:outerShdw blurRad="38100" dist="38100" dir="2700000" algn="tl">
@@ -4670,7 +4665,9 @@
             <a:r>
               <a:rPr lang="en-US" sz="6000" b="1" dirty="0" smtClean="0">
                 <a:solidFill>
-                  <a:schemeClr val="bg1"/>
+                  <a:schemeClr val="accent6">
+                    <a:lumMod val="50000"/>
+                  </a:schemeClr>
                 </a:solidFill>
                 <a:effectLst>
                   <a:outerShdw blurRad="38100" dist="38100" dir="2700000" algn="tl">
@@ -4681,12 +4678,32 @@
                 </a:effectLst>
                 <a:latin typeface="Calibri" panose="020F0502020204030204" pitchFamily="34" charset="0"/>
               </a:rPr>
-              <a:t>Ryan Conyac, William </a:t>
-            </a:r>
+              <a:t>Ryan Conyac, William McLain, Michael McGregor, </a:t>
+            </a:r>
+            <a:endParaRPr lang="en-US" sz="6000" b="1" dirty="0" smtClean="0">
+              <a:solidFill>
+                <a:schemeClr val="accent6">
+                  <a:lumMod val="50000"/>
+                </a:schemeClr>
+              </a:solidFill>
+              <a:effectLst>
+                <a:outerShdw blurRad="38100" dist="38100" dir="2700000" algn="tl">
+                  <a:srgbClr val="000000">
+                    <a:alpha val="43137"/>
+                  </a:srgbClr>
+                </a:outerShdw>
+              </a:effectLst>
+              <a:latin typeface="Calibri" panose="020F0502020204030204" pitchFamily="34" charset="0"/>
+            </a:endParaRPr>
+          </a:p>
+          <a:p>
+            <a:pPr eaLnBrk="1" hangingPunct="1"/>
             <a:r>
               <a:rPr lang="en-US" sz="6000" b="1" dirty="0" smtClean="0">
                 <a:solidFill>
-                  <a:schemeClr val="bg1"/>
+                  <a:schemeClr val="accent6">
+                    <a:lumMod val="50000"/>
+                  </a:schemeClr>
                 </a:solidFill>
                 <a:effectLst>
                   <a:outerShdw blurRad="38100" dist="38100" dir="2700000" algn="tl">
@@ -4697,12 +4714,14 @@
                 </a:effectLst>
                 <a:latin typeface="Calibri" panose="020F0502020204030204" pitchFamily="34" charset="0"/>
               </a:rPr>
-              <a:t>McLain, Michael McGregor, </a:t>
-            </a:r>
-            <a:r>
-              <a:rPr lang="en-US" sz="6000" b="1" dirty="0" err="1" smtClean="0">
-                <a:solidFill>
-                  <a:schemeClr val="bg1"/>
+              <a:t>Yuchen </a:t>
+            </a:r>
+            <a:r>
+              <a:rPr lang="en-US" sz="6000" b="1" dirty="0" smtClean="0">
+                <a:solidFill>
+                  <a:schemeClr val="accent6">
+                    <a:lumMod val="50000"/>
+                  </a:schemeClr>
                 </a:solidFill>
                 <a:effectLst>
                   <a:outerShdw blurRad="38100" dist="38100" dir="2700000" algn="tl">
@@ -4713,43 +4732,23 @@
                 </a:effectLst>
                 <a:latin typeface="Calibri" panose="020F0502020204030204" pitchFamily="34" charset="0"/>
               </a:rPr>
-              <a:t>Yuchen</a:t>
-            </a:r>
-            <a:r>
-              <a:rPr lang="en-US" sz="6000" b="1" dirty="0" smtClean="0">
-                <a:solidFill>
-                  <a:schemeClr val="bg1"/>
-                </a:solidFill>
-                <a:effectLst>
-                  <a:outerShdw blurRad="38100" dist="38100" dir="2700000" algn="tl">
-                    <a:srgbClr val="000000">
-                      <a:alpha val="43137"/>
-                    </a:srgbClr>
-                  </a:outerShdw>
-                </a:effectLst>
-                <a:latin typeface="Calibri" panose="020F0502020204030204" pitchFamily="34" charset="0"/>
+              <a:t>Feng, Brian Davis </a:t>
+            </a:r>
+            <a:r>
+              <a:rPr lang="en-US" sz="4000" b="1" dirty="0" smtClean="0">
+                <a:solidFill>
+                  <a:schemeClr val="accent6">
+                    <a:lumMod val="50000"/>
+                  </a:schemeClr>
+                </a:solidFill>
               </a:rPr>
-              <a:t> Feng, Brian Davis </a:t>
-            </a:r>
-            <a:r>
-              <a:rPr lang="en-US" sz="4000" b="1" dirty="0" smtClean="0">
-                <a:solidFill>
-                  <a:schemeClr val="bg1"/>
-                </a:solidFill>
-              </a:rPr>
-              <a:t> </a:t>
-            </a:r>
-            <a:r>
-              <a:rPr lang="en-US" sz="4000" b="1" dirty="0" smtClean="0">
-                <a:solidFill>
-                  <a:schemeClr val="bg1"/>
-                </a:solidFill>
-              </a:rPr>
-              <a:t>- Dr. Hong K. Sung (Faculty Advisor)</a:t>
+              <a:t> - Dr. Hong K. Sung (Faculty Advisor)</a:t>
             </a:r>
             <a:endParaRPr lang="en-US" sz="4800" b="1" dirty="0">
               <a:solidFill>
-                <a:schemeClr val="bg1"/>
+                <a:schemeClr val="accent6">
+                  <a:lumMod val="50000"/>
+                </a:schemeClr>
               </a:solidFill>
               <a:latin typeface="Calibri" panose="020F0502020204030204" pitchFamily="34" charset="0"/>
             </a:endParaRPr>
@@ -4777,14 +4776,14 @@
             <a:noFill/>
           </a:ln>
           <a:extLst>
-            <a:ext uri="{909E8E84-426E-40DD-AFC4-6F175D3DCCD1}">
+            <a:ext uri="{909E8E84-426E-40dd-AFC4-6F175D3DCCD1}">
               <a14:hiddenFill xmlns:a14="http://schemas.microsoft.com/office/drawing/2010/main">
                 <a:solidFill>
                   <a:srgbClr val="FFFFFF"/>
                 </a:solidFill>
               </a14:hiddenFill>
             </a:ext>
-            <a:ext uri="{91240B29-F687-4F45-9708-019B960494DF}">
+            <a:ext uri="{91240B29-F687-4f45-9708-019B960494DF}">
               <a14:hiddenLine xmlns:a14="http://schemas.microsoft.com/office/drawing/2010/main" w="9525">
                 <a:solidFill>
                   <a:srgbClr val="000000"/>
@@ -4923,6 +4922,7 @@
               <a:rPr lang="en-US" sz="3600" dirty="0" smtClean="0"/>
               <a:t>We knew that our game needed to have the ability to offer a variety of ships. Also we need a range of weapons with the option for the player to choose not to acquire them if he or she did not want them. And finally the different types of weapons needed to have different types of sounds when used. </a:t>
             </a:r>
+            <a:endParaRPr lang="en-US" sz="3600" dirty="0" smtClean="0"/>
           </a:p>
         </p:txBody>
       </p:sp>
@@ -4947,14 +4947,14 @@
             <a:noFill/>
           </a:ln>
           <a:extLst>
-            <a:ext uri="{909E8E84-426E-40DD-AFC4-6F175D3DCCD1}">
+            <a:ext uri="{909E8E84-426E-40dd-AFC4-6F175D3DCCD1}">
               <a14:hiddenFill xmlns:a14="http://schemas.microsoft.com/office/drawing/2010/main">
                 <a:solidFill>
                   <a:srgbClr val="FFFFFF"/>
                 </a:solidFill>
               </a14:hiddenFill>
             </a:ext>
-            <a:ext uri="{91240B29-F687-4F45-9708-019B960494DF}">
+            <a:ext uri="{91240B29-F687-4f45-9708-019B960494DF}">
               <a14:hiddenLine xmlns:a14="http://schemas.microsoft.com/office/drawing/2010/main" w="9525">
                 <a:solidFill>
                   <a:srgbClr val="000000"/>
@@ -5113,7 +5113,7 @@
             <a:noFill/>
           </a:ln>
           <a:extLst>
-            <a:ext uri="{91240B29-F687-4F45-9708-019B960494DF}">
+            <a:ext uri="{91240B29-F687-4f45-9708-019B960494DF}">
               <a14:hiddenLine xmlns:a14="http://schemas.microsoft.com/office/drawing/2010/main" w="9525">
                 <a:solidFill>
                   <a:srgbClr val="000000"/>
@@ -5250,7 +5250,7 @@
           <p:nvPr/>
         </p:nvPicPr>
         <p:blipFill rotWithShape="1">
-          <a:blip r:embed="rId4" cstate="print">
+          <a:blip r:embed="rId5" cstate="print">
             <a:extLst>
               <a:ext uri="{28A0092B-C50C-407E-A947-70E740481C1C}">
                 <a14:useLocalDpi xmlns:a14="http://schemas.microsoft.com/office/drawing/2010/main" val="0"/>
@@ -5283,7 +5283,7 @@
           <p:nvPr/>
         </p:nvPicPr>
         <p:blipFill>
-          <a:blip r:embed="rId5" cstate="print">
+          <a:blip r:embed="rId6" cstate="print">
             <a:extLst>
               <a:ext uri="{28A0092B-C50C-407E-A947-70E740481C1C}">
                 <a14:useLocalDpi xmlns:a14="http://schemas.microsoft.com/office/drawing/2010/main" val="0"/>
@@ -5325,14 +5325,14 @@
             <a:noFill/>
           </a:ln>
           <a:extLst>
-            <a:ext uri="{909E8E84-426E-40DD-AFC4-6F175D3DCCD1}">
+            <a:ext uri="{909E8E84-426E-40dd-AFC4-6F175D3DCCD1}">
               <a14:hiddenFill xmlns:a14="http://schemas.microsoft.com/office/drawing/2010/main">
                 <a:solidFill>
                   <a:srgbClr val="FFFFFF"/>
                 </a:solidFill>
               </a14:hiddenFill>
             </a:ext>
-            <a:ext uri="{91240B29-F687-4F45-9708-019B960494DF}">
+            <a:ext uri="{91240B29-F687-4f45-9708-019B960494DF}">
               <a14:hiddenLine xmlns:a14="http://schemas.microsoft.com/office/drawing/2010/main" w="9525">
                 <a:solidFill>
                   <a:srgbClr val="000000"/>
@@ -5477,14 +5477,14 @@
             <a:noFill/>
           </a:ln>
           <a:extLst>
-            <a:ext uri="{909E8E84-426E-40DD-AFC4-6F175D3DCCD1}">
+            <a:ext uri="{909E8E84-426E-40dd-AFC4-6F175D3DCCD1}">
               <a14:hiddenFill xmlns:a14="http://schemas.microsoft.com/office/drawing/2010/main">
                 <a:solidFill>
                   <a:srgbClr val="FFFFFF"/>
                 </a:solidFill>
               </a14:hiddenFill>
             </a:ext>
-            <a:ext uri="{91240B29-F687-4F45-9708-019B960494DF}">
+            <a:ext uri="{91240B29-F687-4f45-9708-019B960494DF}">
               <a14:hiddenLine xmlns:a14="http://schemas.microsoft.com/office/drawing/2010/main" w="9525">
                 <a:solidFill>
                   <a:srgbClr val="000000"/>
@@ -5623,7 +5623,11 @@
             </a:pPr>
             <a:r>
               <a:rPr lang="en-US" sz="3600" dirty="0" smtClean="0"/>
-              <a:t>This choice makes it easier for our members to add and s=change current items in the game and lowers the chance of the changes effects other parts of the game. </a:t>
+              <a:t>This </a:t>
+            </a:r>
+            <a:r>
+              <a:rPr lang="en-US" sz="3600" dirty="0" smtClean="0"/>
+              <a:t>choice makes it easier for our members to add and s=change current items in the game and lowers the chance of the changes effects other parts of the game. </a:t>
             </a:r>
           </a:p>
           <a:p>
@@ -5664,14 +5668,14 @@
             <a:noFill/>
           </a:ln>
           <a:extLst>
-            <a:ext uri="{909E8E84-426E-40DD-AFC4-6F175D3DCCD1}">
+            <a:ext uri="{909E8E84-426E-40dd-AFC4-6F175D3DCCD1}">
               <a14:hiddenFill xmlns:a14="http://schemas.microsoft.com/office/drawing/2010/main">
                 <a:solidFill>
                   <a:srgbClr val="FFFFFF"/>
                 </a:solidFill>
               </a14:hiddenFill>
             </a:ext>
-            <a:ext uri="{91240B29-F687-4F45-9708-019B960494DF}">
+            <a:ext uri="{91240B29-F687-4f45-9708-019B960494DF}">
               <a14:hiddenLine xmlns:a14="http://schemas.microsoft.com/office/drawing/2010/main" w="9525">
                 <a:solidFill>
                   <a:srgbClr val="000000"/>
@@ -5830,7 +5834,7 @@
             <a:noFill/>
           </a:ln>
           <a:extLst>
-            <a:ext uri="{91240B29-F687-4F45-9708-019B960494DF}">
+            <a:ext uri="{91240B29-F687-4f45-9708-019B960494DF}">
               <a14:hiddenLine xmlns:a14="http://schemas.microsoft.com/office/drawing/2010/main" w="9525">
                 <a:solidFill>
                   <a:srgbClr val="000000"/>
@@ -5987,14 +5991,14 @@
             <a:noFill/>
           </a:ln>
           <a:extLst>
-            <a:ext uri="{909E8E84-426E-40DD-AFC4-6F175D3DCCD1}">
+            <a:ext uri="{909E8E84-426E-40dd-AFC4-6F175D3DCCD1}">
               <a14:hiddenFill xmlns:a14="http://schemas.microsoft.com/office/drawing/2010/main">
                 <a:solidFill>
                   <a:srgbClr val="FFFFFF"/>
                 </a:solidFill>
               </a14:hiddenFill>
             </a:ext>
-            <a:ext uri="{91240B29-F687-4F45-9708-019B960494DF}">
+            <a:ext uri="{91240B29-F687-4f45-9708-019B960494DF}">
               <a14:hiddenLine xmlns:a14="http://schemas.microsoft.com/office/drawing/2010/main" w="9525">
                 <a:solidFill>
                   <a:srgbClr val="000000"/>
@@ -6197,14 +6201,14 @@
             <a:noFill/>
           </a:ln>
           <a:extLst>
-            <a:ext uri="{909E8E84-426E-40DD-AFC4-6F175D3DCCD1}">
+            <a:ext uri="{909E8E84-426E-40dd-AFC4-6F175D3DCCD1}">
               <a14:hiddenFill xmlns:a14="http://schemas.microsoft.com/office/drawing/2010/main">
                 <a:solidFill>
                   <a:srgbClr val="FFFFFF"/>
                 </a:solidFill>
               </a14:hiddenFill>
             </a:ext>
-            <a:ext uri="{91240B29-F687-4F45-9708-019B960494DF}">
+            <a:ext uri="{91240B29-F687-4f45-9708-019B960494DF}">
               <a14:hiddenLine xmlns:a14="http://schemas.microsoft.com/office/drawing/2010/main" w="9525">
                 <a:solidFill>
                   <a:srgbClr val="000000"/>
@@ -6363,7 +6367,7 @@
             <a:noFill/>
           </a:ln>
           <a:extLst>
-            <a:ext uri="{91240B29-F687-4F45-9708-019B960494DF}">
+            <a:ext uri="{91240B29-F687-4f45-9708-019B960494DF}">
               <a14:hiddenLine xmlns:a14="http://schemas.microsoft.com/office/drawing/2010/main" w="9525">
                 <a:solidFill>
                   <a:srgbClr val="000000"/>
@@ -6520,14 +6524,14 @@
             <a:noFill/>
           </a:ln>
           <a:extLst>
-            <a:ext uri="{909E8E84-426E-40DD-AFC4-6F175D3DCCD1}">
+            <a:ext uri="{909E8E84-426E-40dd-AFC4-6F175D3DCCD1}">
               <a14:hiddenFill xmlns:a14="http://schemas.microsoft.com/office/drawing/2010/main">
                 <a:solidFill>
                   <a:srgbClr val="FFFFFF"/>
                 </a:solidFill>
               </a14:hiddenFill>
             </a:ext>
-            <a:ext uri="{91240B29-F687-4F45-9708-019B960494DF}">
+            <a:ext uri="{91240B29-F687-4f45-9708-019B960494DF}">
               <a14:hiddenLine xmlns:a14="http://schemas.microsoft.com/office/drawing/2010/main" w="9525">
                 <a:solidFill>
                   <a:srgbClr val="000000"/>
@@ -6731,14 +6735,14 @@
             <a:noFill/>
           </a:ln>
           <a:extLst>
-            <a:ext uri="{909E8E84-426E-40DD-AFC4-6F175D3DCCD1}">
+            <a:ext uri="{909E8E84-426E-40dd-AFC4-6F175D3DCCD1}">
               <a14:hiddenFill xmlns:a14="http://schemas.microsoft.com/office/drawing/2010/main">
                 <a:solidFill>
                   <a:srgbClr val="FFFFFF"/>
                 </a:solidFill>
               </a14:hiddenFill>
             </a:ext>
-            <a:ext uri="{91240B29-F687-4F45-9708-019B960494DF}">
+            <a:ext uri="{91240B29-F687-4f45-9708-019B960494DF}">
               <a14:hiddenLine xmlns:a14="http://schemas.microsoft.com/office/drawing/2010/main" w="9525">
                 <a:solidFill>
                   <a:srgbClr val="000000"/>
@@ -7120,14 +7124,14 @@
             <a:noFill/>
           </a:ln>
           <a:extLst>
-            <a:ext uri="{909E8E84-426E-40DD-AFC4-6F175D3DCCD1}">
+            <a:ext uri="{909E8E84-426E-40dd-AFC4-6F175D3DCCD1}">
               <a14:hiddenFill xmlns:a14="http://schemas.microsoft.com/office/drawing/2010/main">
                 <a:solidFill>
                   <a:srgbClr val="FFFFFF"/>
                 </a:solidFill>
               </a14:hiddenFill>
             </a:ext>
-            <a:ext uri="{91240B29-F687-4F45-9708-019B960494DF}">
+            <a:ext uri="{91240B29-F687-4f45-9708-019B960494DF}">
               <a14:hiddenLine xmlns:a14="http://schemas.microsoft.com/office/drawing/2010/main" w="9525">
                 <a:solidFill>
                   <a:srgbClr val="000000"/>
@@ -7286,7 +7290,7 @@
             <a:noFill/>
           </a:ln>
           <a:extLst>
-            <a:ext uri="{91240B29-F687-4F45-9708-019B960494DF}">
+            <a:ext uri="{91240B29-F687-4f45-9708-019B960494DF}">
               <a14:hiddenLine xmlns:a14="http://schemas.microsoft.com/office/drawing/2010/main" w="9525">
                 <a:solidFill>
                   <a:srgbClr val="000000"/>
@@ -7435,14 +7439,14 @@
             <a:noFill/>
           </a:ln>
           <a:extLst>
-            <a:ext uri="{909E8E84-426E-40DD-AFC4-6F175D3DCCD1}">
+            <a:ext uri="{909E8E84-426E-40dd-AFC4-6F175D3DCCD1}">
               <a14:hiddenFill xmlns:a14="http://schemas.microsoft.com/office/drawing/2010/main">
                 <a:solidFill>
                   <a:srgbClr val="FFFFFF"/>
                 </a:solidFill>
               </a14:hiddenFill>
             </a:ext>
-            <a:ext uri="{91240B29-F687-4F45-9708-019B960494DF}">
+            <a:ext uri="{91240B29-F687-4f45-9708-019B960494DF}">
               <a14:hiddenLine xmlns:a14="http://schemas.microsoft.com/office/drawing/2010/main" w="9525">
                 <a:solidFill>
                   <a:srgbClr val="000000"/>
@@ -7601,7 +7605,7 @@
             <a:noFill/>
           </a:ln>
           <a:extLst>
-            <a:ext uri="{91240B29-F687-4F45-9708-019B960494DF}">
+            <a:ext uri="{91240B29-F687-4f45-9708-019B960494DF}">
               <a14:hiddenLine xmlns:a14="http://schemas.microsoft.com/office/drawing/2010/main" w="9525">
                 <a:solidFill>
                   <a:srgbClr val="000000"/>
@@ -7737,6 +7741,336 @@
           </a:p>
         </p:txBody>
       </p:sp>
+      <p:pic>
+        <p:nvPicPr>
+          <p:cNvPr id="4" name="Picture 3" descr="defaultEnemyShip.png"/>
+          <p:cNvPicPr>
+            <a:picLocks noChangeAspect="1"/>
+          </p:cNvPicPr>
+          <p:nvPr/>
+        </p:nvPicPr>
+        <p:blipFill>
+          <a:blip r:embed="rId7">
+            <a:extLst>
+              <a:ext uri="{28A0092B-C50C-407E-A947-70E740481C1C}">
+                <a14:useLocalDpi xmlns:a14="http://schemas.microsoft.com/office/drawing/2010/main" val="0"/>
+              </a:ext>
+            </a:extLst>
+          </a:blip>
+          <a:stretch>
+            <a:fillRect/>
+          </a:stretch>
+        </p:blipFill>
+        <p:spPr>
+          <a:xfrm>
+            <a:off x="14462755" y="5055714"/>
+            <a:ext cx="2032000" cy="2984500"/>
+          </a:xfrm>
+          <a:prstGeom prst="rect">
+            <a:avLst/>
+          </a:prstGeom>
+        </p:spPr>
+      </p:pic>
+      <p:pic>
+        <p:nvPicPr>
+          <p:cNvPr id="6" name="Picture 5" descr="alien1.png"/>
+          <p:cNvPicPr>
+            <a:picLocks noChangeAspect="1"/>
+          </p:cNvPicPr>
+          <p:nvPr/>
+        </p:nvPicPr>
+        <p:blipFill>
+          <a:blip r:embed="rId8">
+            <a:extLst>
+              <a:ext uri="{28A0092B-C50C-407E-A947-70E740481C1C}">
+                <a14:useLocalDpi xmlns:a14="http://schemas.microsoft.com/office/drawing/2010/main" val="0"/>
+              </a:ext>
+            </a:extLst>
+          </a:blip>
+          <a:stretch>
+            <a:fillRect/>
+          </a:stretch>
+        </p:blipFill>
+        <p:spPr>
+          <a:xfrm>
+            <a:off x="14891383" y="8452734"/>
+            <a:ext cx="1333500" cy="2540000"/>
+          </a:xfrm>
+          <a:prstGeom prst="rect">
+            <a:avLst/>
+          </a:prstGeom>
+        </p:spPr>
+      </p:pic>
+      <p:pic>
+        <p:nvPicPr>
+          <p:cNvPr id="7" name="Picture 6" descr="blueFighter.png"/>
+          <p:cNvPicPr>
+            <a:picLocks noChangeAspect="1"/>
+          </p:cNvPicPr>
+          <p:nvPr/>
+        </p:nvPicPr>
+        <p:blipFill>
+          <a:blip r:embed="rId9">
+            <a:extLst>
+              <a:ext uri="{28A0092B-C50C-407E-A947-70E740481C1C}">
+                <a14:useLocalDpi xmlns:a14="http://schemas.microsoft.com/office/drawing/2010/main" val="0"/>
+              </a:ext>
+            </a:extLst>
+          </a:blip>
+          <a:stretch>
+            <a:fillRect/>
+          </a:stretch>
+        </p:blipFill>
+        <p:spPr>
+          <a:xfrm>
+            <a:off x="15081890" y="11667235"/>
+            <a:ext cx="2023962" cy="2023962"/>
+          </a:xfrm>
+          <a:prstGeom prst="rect">
+            <a:avLst/>
+          </a:prstGeom>
+        </p:spPr>
+      </p:pic>
+      <p:pic>
+        <p:nvPicPr>
+          <p:cNvPr id="8" name="Picture 7" descr="purpleFighter.png"/>
+          <p:cNvPicPr>
+            <a:picLocks noChangeAspect="1"/>
+          </p:cNvPicPr>
+          <p:nvPr/>
+        </p:nvPicPr>
+        <p:blipFill>
+          <a:blip r:embed="rId10">
+            <a:extLst>
+              <a:ext uri="{28A0092B-C50C-407E-A947-70E740481C1C}">
+                <a14:useLocalDpi xmlns:a14="http://schemas.microsoft.com/office/drawing/2010/main" val="0"/>
+              </a:ext>
+            </a:extLst>
+          </a:blip>
+          <a:stretch>
+            <a:fillRect/>
+          </a:stretch>
+        </p:blipFill>
+        <p:spPr>
+          <a:xfrm>
+            <a:off x="11470154" y="5847208"/>
+            <a:ext cx="2036833" cy="3486119"/>
+          </a:xfrm>
+          <a:prstGeom prst="rect">
+            <a:avLst/>
+          </a:prstGeom>
+        </p:spPr>
+      </p:pic>
+      <p:pic>
+        <p:nvPicPr>
+          <p:cNvPr id="9" name="Picture 8" descr="redFighter.png"/>
+          <p:cNvPicPr>
+            <a:picLocks noChangeAspect="1"/>
+          </p:cNvPicPr>
+          <p:nvPr/>
+        </p:nvPicPr>
+        <p:blipFill>
+          <a:blip r:embed="rId11">
+            <a:extLst>
+              <a:ext uri="{28A0092B-C50C-407E-A947-70E740481C1C}">
+                <a14:useLocalDpi xmlns:a14="http://schemas.microsoft.com/office/drawing/2010/main" val="0"/>
+              </a:ext>
+            </a:extLst>
+          </a:blip>
+          <a:stretch>
+            <a:fillRect/>
+          </a:stretch>
+        </p:blipFill>
+        <p:spPr>
+          <a:xfrm>
+            <a:off x="11684517" y="9751211"/>
+            <a:ext cx="2032000" cy="2641600"/>
+          </a:xfrm>
+          <a:prstGeom prst="rect">
+            <a:avLst/>
+          </a:prstGeom>
+        </p:spPr>
+      </p:pic>
+      <p:pic>
+        <p:nvPicPr>
+          <p:cNvPr id="10" name="Picture 9" descr="boss.png"/>
+          <p:cNvPicPr>
+            <a:picLocks noChangeAspect="1"/>
+          </p:cNvPicPr>
+          <p:nvPr/>
+        </p:nvPicPr>
+        <p:blipFill>
+          <a:blip r:embed="rId12">
+            <a:extLst>
+              <a:ext uri="{28A0092B-C50C-407E-A947-70E740481C1C}">
+                <a14:useLocalDpi xmlns:a14="http://schemas.microsoft.com/office/drawing/2010/main" val="0"/>
+              </a:ext>
+            </a:extLst>
+          </a:blip>
+          <a:stretch>
+            <a:fillRect/>
+          </a:stretch>
+        </p:blipFill>
+        <p:spPr>
+          <a:xfrm>
+            <a:off x="32178383" y="11522747"/>
+            <a:ext cx="1765300" cy="2273300"/>
+          </a:xfrm>
+          <a:prstGeom prst="rect">
+            <a:avLst/>
+          </a:prstGeom>
+        </p:spPr>
+      </p:pic>
+      <p:pic>
+        <p:nvPicPr>
+          <p:cNvPr id="12" name="Picture 11" descr="pine.png"/>
+          <p:cNvPicPr>
+            <a:picLocks noChangeAspect="1"/>
+          </p:cNvPicPr>
+          <p:nvPr/>
+        </p:nvPicPr>
+        <p:blipFill>
+          <a:blip r:embed="rId13">
+            <a:extLst>
+              <a:ext uri="{28A0092B-C50C-407E-A947-70E740481C1C}">
+                <a14:useLocalDpi xmlns:a14="http://schemas.microsoft.com/office/drawing/2010/main" val="0"/>
+              </a:ext>
+            </a:extLst>
+          </a:blip>
+          <a:stretch>
+            <a:fillRect/>
+          </a:stretch>
+        </p:blipFill>
+        <p:spPr>
+          <a:xfrm rot="13487867">
+            <a:off x="35878973" y="24088573"/>
+            <a:ext cx="992134" cy="992134"/>
+          </a:xfrm>
+          <a:prstGeom prst="rect">
+            <a:avLst/>
+          </a:prstGeom>
+        </p:spPr>
+      </p:pic>
+      <p:pic>
+        <p:nvPicPr>
+          <p:cNvPr id="13" name="Picture 12" descr="raider.png"/>
+          <p:cNvPicPr>
+            <a:picLocks noChangeAspect="1"/>
+          </p:cNvPicPr>
+          <p:nvPr/>
+        </p:nvPicPr>
+        <p:blipFill>
+          <a:blip r:embed="rId14">
+            <a:extLst>
+              <a:ext uri="{28A0092B-C50C-407E-A947-70E740481C1C}">
+                <a14:useLocalDpi xmlns:a14="http://schemas.microsoft.com/office/drawing/2010/main" val="0"/>
+              </a:ext>
+            </a:extLst>
+          </a:blip>
+          <a:stretch>
+            <a:fillRect/>
+          </a:stretch>
+        </p:blipFill>
+        <p:spPr>
+          <a:xfrm rot="13487867">
+            <a:off x="33973895" y="24088576"/>
+            <a:ext cx="992134" cy="992134"/>
+          </a:xfrm>
+          <a:prstGeom prst="rect">
+            <a:avLst/>
+          </a:prstGeom>
+        </p:spPr>
+      </p:pic>
+      <p:pic>
+        <p:nvPicPr>
+          <p:cNvPr id="14" name="Picture 13" descr="rose.png"/>
+          <p:cNvPicPr>
+            <a:picLocks noChangeAspect="1"/>
+          </p:cNvPicPr>
+          <p:nvPr/>
+        </p:nvPicPr>
+        <p:blipFill>
+          <a:blip r:embed="rId15">
+            <a:extLst>
+              <a:ext uri="{28A0092B-C50C-407E-A947-70E740481C1C}">
+                <a14:useLocalDpi xmlns:a14="http://schemas.microsoft.com/office/drawing/2010/main" val="0"/>
+              </a:ext>
+            </a:extLst>
+          </a:blip>
+          <a:stretch>
+            <a:fillRect/>
+          </a:stretch>
+        </p:blipFill>
+        <p:spPr>
+          <a:xfrm rot="13487867">
+            <a:off x="32108494" y="24038996"/>
+            <a:ext cx="1041690" cy="1041690"/>
+          </a:xfrm>
+          <a:prstGeom prst="rect">
+            <a:avLst/>
+          </a:prstGeom>
+        </p:spPr>
+      </p:pic>
+      <p:pic>
+        <p:nvPicPr>
+          <p:cNvPr id="15" name="Picture 14" descr="shadow.png"/>
+          <p:cNvPicPr>
+            <a:picLocks noChangeAspect="1"/>
+          </p:cNvPicPr>
+          <p:nvPr/>
+        </p:nvPicPr>
+        <p:blipFill>
+          <a:blip r:embed="rId16">
+            <a:extLst>
+              <a:ext uri="{28A0092B-C50C-407E-A947-70E740481C1C}">
+                <a14:useLocalDpi xmlns:a14="http://schemas.microsoft.com/office/drawing/2010/main" val="0"/>
+              </a:ext>
+            </a:extLst>
+          </a:blip>
+          <a:stretch>
+            <a:fillRect/>
+          </a:stretch>
+        </p:blipFill>
+        <p:spPr>
+          <a:xfrm rot="13487867">
+            <a:off x="37823740" y="24088572"/>
+            <a:ext cx="992134" cy="992134"/>
+          </a:xfrm>
+          <a:prstGeom prst="rect">
+            <a:avLst/>
+          </a:prstGeom>
+        </p:spPr>
+      </p:pic>
+      <p:pic>
+        <p:nvPicPr>
+          <p:cNvPr id="16" name="Picture 15" descr="violet.png"/>
+          <p:cNvPicPr>
+            <a:picLocks noChangeAspect="1"/>
+          </p:cNvPicPr>
+          <p:nvPr/>
+        </p:nvPicPr>
+        <p:blipFill>
+          <a:blip r:embed="rId17">
+            <a:extLst>
+              <a:ext uri="{28A0092B-C50C-407E-A947-70E740481C1C}">
+                <a14:useLocalDpi xmlns:a14="http://schemas.microsoft.com/office/drawing/2010/main" val="0"/>
+              </a:ext>
+            </a:extLst>
+          </a:blip>
+          <a:stretch>
+            <a:fillRect/>
+          </a:stretch>
+        </p:blipFill>
+        <p:spPr>
+          <a:xfrm rot="13487867">
+            <a:off x="39768504" y="24048884"/>
+            <a:ext cx="992134" cy="992134"/>
+          </a:xfrm>
+          <a:prstGeom prst="rect">
+            <a:avLst/>
+          </a:prstGeom>
+        </p:spPr>
+      </p:pic>
     </p:spTree>
   </p:cSld>
   <p:clrMapOvr>
@@ -7745,7 +8079,7 @@
   <p:timing>
     <p:tnLst>
       <p:par>
-        <p:cTn id="1" dur="indefinite" restart="never" nodeType="tmRoot"/>
+        <p:cTn xmlns:p14="http://schemas.microsoft.com/office/powerpoint/2010/main" id="1" dur="indefinite" restart="never" nodeType="tmRoot"/>
       </p:par>
     </p:tnLst>
   </p:timing>

--- a/SDDPoster.pptx
+++ b/SDDPoster.pptx
@@ -12,6 +12,22 @@
   </p:sldIdLst>
   <p:sldSz cx="43891200" cy="32918400"/>
   <p:notesSz cx="9094788" cy="13573125"/>
+  <p:embeddedFontLst>
+    <p:embeddedFont>
+      <p:font typeface="Gill Sans MT" panose="020B0502020104020203" pitchFamily="34" charset="0"/>
+      <p:regular r:id="rId4"/>
+      <p:bold r:id="rId5"/>
+      <p:italic r:id="rId6"/>
+      <p:boldItalic r:id="rId7"/>
+    </p:embeddedFont>
+    <p:embeddedFont>
+      <p:font typeface="Calibri" panose="020F0502020204030204" pitchFamily="34" charset="0"/>
+      <p:regular r:id="rId8"/>
+      <p:bold r:id="rId9"/>
+      <p:italic r:id="rId10"/>
+      <p:boldItalic r:id="rId11"/>
+    </p:embeddedFont>
+  </p:embeddedFontLst>
   <p:defaultTextStyle>
     <a:defPPr>
       <a:defRPr lang="en-US"/>
@@ -139,7 +155,7 @@
   </p:defaultTextStyle>
   <p:extLst>
     <p:ext uri="{EFAFB233-063F-42B5-8137-9DF3F51BA10A}">
-      <p15:sldGuideLst xmlns:p15="http://schemas.microsoft.com/office/powerpoint/2012/main" xmlns="">
+      <p15:sldGuideLst xmlns:p15="http://schemas.microsoft.com/office/powerpoint/2012/main">
         <p15:guide id="1" orient="horz" pos="10368" userDrawn="1">
           <p15:clr>
             <a:srgbClr val="A4A3A4"/>
@@ -306,7 +322,7 @@
           </a:ln>
           <a:extLst>
             <a:ext uri="{909E8E84-426E-40dd-AFC4-6F175D3DCCD1}">
-              <a14:hiddenFill xmlns:a14="http://schemas.microsoft.com/office/drawing/2010/main">
+              <a14:hiddenFill xmlns="" xmlns:a14="http://schemas.microsoft.com/office/drawing/2010/main">
                 <a:solidFill>
                   <a:srgbClr val="FFFFFF"/>
                 </a:solidFill>
@@ -647,14 +663,14 @@
           <a:ln/>
           <a:extLst>
             <a:ext uri="{909E8E84-426E-40dd-AFC4-6F175D3DCCD1}">
-              <a14:hiddenFill xmlns:a14="http://schemas.microsoft.com/office/drawing/2010/main">
+              <a14:hiddenFill xmlns="" xmlns:a14="http://schemas.microsoft.com/office/drawing/2010/main">
                 <a:solidFill>
                   <a:srgbClr val="FFFFFF"/>
                 </a:solidFill>
               </a14:hiddenFill>
             </a:ext>
             <a:ext uri="{91240B29-F687-4f45-9708-019B960494DF}">
-              <a14:hiddenLine xmlns:a14="http://schemas.microsoft.com/office/drawing/2010/main" w="9525">
+              <a14:hiddenLine xmlns="" xmlns:a14="http://schemas.microsoft.com/office/drawing/2010/main" w="9525">
                 <a:solidFill>
                   <a:srgbClr val="000000"/>
                 </a:solidFill>
@@ -809,14 +825,14 @@
           <a:ln/>
           <a:extLst>
             <a:ext uri="{909E8E84-426E-40dd-AFC4-6F175D3DCCD1}">
-              <a14:hiddenFill xmlns:a14="http://schemas.microsoft.com/office/drawing/2010/main">
+              <a14:hiddenFill xmlns="" xmlns:a14="http://schemas.microsoft.com/office/drawing/2010/main">
                 <a:solidFill>
                   <a:srgbClr val="FFFFFF"/>
                 </a:solidFill>
               </a14:hiddenFill>
             </a:ext>
             <a:ext uri="{91240B29-F687-4f45-9708-019B960494DF}">
-              <a14:hiddenLine xmlns:a14="http://schemas.microsoft.com/office/drawing/2010/main" w="9525">
+              <a14:hiddenLine xmlns="" xmlns:a14="http://schemas.microsoft.com/office/drawing/2010/main" w="9525">
                 <a:solidFill>
                   <a:srgbClr val="000000"/>
                 </a:solidFill>
@@ -3490,14 +3506,14 @@
           </a:ln>
           <a:extLst>
             <a:ext uri="{909E8E84-426E-40dd-AFC4-6F175D3DCCD1}">
-              <a14:hiddenFill xmlns:a14="http://schemas.microsoft.com/office/drawing/2010/main">
+              <a14:hiddenFill xmlns="" xmlns:a14="http://schemas.microsoft.com/office/drawing/2010/main">
                 <a:solidFill>
                   <a:srgbClr val="FFFFFF"/>
                 </a:solidFill>
               </a14:hiddenFill>
             </a:ext>
             <a:ext uri="{91240B29-F687-4f45-9708-019B960494DF}">
-              <a14:hiddenLine xmlns:a14="http://schemas.microsoft.com/office/drawing/2010/main" w="9525">
+              <a14:hiddenLine xmlns="" xmlns:a14="http://schemas.microsoft.com/office/drawing/2010/main" w="9525">
                 <a:solidFill>
                   <a:srgbClr val="000000"/>
                 </a:solidFill>
@@ -3548,14 +3564,14 @@
           </a:ln>
           <a:extLst>
             <a:ext uri="{909E8E84-426E-40dd-AFC4-6F175D3DCCD1}">
-              <a14:hiddenFill xmlns:a14="http://schemas.microsoft.com/office/drawing/2010/main">
+              <a14:hiddenFill xmlns="" xmlns:a14="http://schemas.microsoft.com/office/drawing/2010/main">
                 <a:solidFill>
                   <a:srgbClr val="FFFFFF"/>
                 </a:solidFill>
               </a14:hiddenFill>
             </a:ext>
             <a:ext uri="{91240B29-F687-4f45-9708-019B960494DF}">
-              <a14:hiddenLine xmlns:a14="http://schemas.microsoft.com/office/drawing/2010/main" w="9525">
+              <a14:hiddenLine xmlns="" xmlns:a14="http://schemas.microsoft.com/office/drawing/2010/main" w="9525">
                 <a:solidFill>
                   <a:srgbClr val="000000"/>
                 </a:solidFill>
@@ -4218,14 +4234,14 @@
           </a:effectLst>
           <a:extLst>
             <a:ext uri="{909E8E84-426E-40dd-AFC4-6F175D3DCCD1}">
-              <a14:hiddenFill xmlns:a14="http://schemas.microsoft.com/office/drawing/2010/main">
+              <a14:hiddenFill xmlns="" xmlns:a14="http://schemas.microsoft.com/office/drawing/2010/main">
                 <a:solidFill>
                   <a:srgbClr val="FFFFFF"/>
                 </a:solidFill>
               </a14:hiddenFill>
             </a:ext>
             <a:ext uri="{91240B29-F687-4f45-9708-019B960494DF}">
-              <a14:hiddenLine xmlns:a14="http://schemas.microsoft.com/office/drawing/2010/main" w="9525">
+              <a14:hiddenLine xmlns="" xmlns:a14="http://schemas.microsoft.com/office/drawing/2010/main" w="9525">
                 <a:solidFill>
                   <a:srgbClr val="000000"/>
                 </a:solidFill>
@@ -4428,14 +4444,14 @@
           </a:effectLst>
           <a:extLst>
             <a:ext uri="{909E8E84-426E-40dd-AFC4-6F175D3DCCD1}">
-              <a14:hiddenFill xmlns:a14="http://schemas.microsoft.com/office/drawing/2010/main">
+              <a14:hiddenFill xmlns="" xmlns:a14="http://schemas.microsoft.com/office/drawing/2010/main">
                 <a:solidFill>
                   <a:srgbClr val="FFFFFF"/>
                 </a:solidFill>
               </a14:hiddenFill>
             </a:ext>
             <a:ext uri="{91240B29-F687-4f45-9708-019B960494DF}">
-              <a14:hiddenLine xmlns:a14="http://schemas.microsoft.com/office/drawing/2010/main" w="9525">
+              <a14:hiddenLine xmlns="" xmlns:a14="http://schemas.microsoft.com/office/drawing/2010/main" w="9525">
                 <a:solidFill>
                   <a:srgbClr val="000000"/>
                 </a:solidFill>
@@ -4469,14 +4485,14 @@
           </a:ln>
           <a:extLst>
             <a:ext uri="{909E8E84-426E-40dd-AFC4-6F175D3DCCD1}">
-              <a14:hiddenFill xmlns:a14="http://schemas.microsoft.com/office/drawing/2010/main">
+              <a14:hiddenFill xmlns="" xmlns:a14="http://schemas.microsoft.com/office/drawing/2010/main">
                 <a:solidFill>
                   <a:srgbClr val="FFFFFF"/>
                 </a:solidFill>
               </a14:hiddenFill>
             </a:ext>
             <a:ext uri="{91240B29-F687-4f45-9708-019B960494DF}">
-              <a14:hiddenLine xmlns:a14="http://schemas.microsoft.com/office/drawing/2010/main" w="9525">
+              <a14:hiddenLine xmlns="" xmlns:a14="http://schemas.microsoft.com/office/drawing/2010/main" w="9525">
                 <a:solidFill>
                   <a:srgbClr val="000000"/>
                 </a:solidFill>
@@ -4680,21 +4696,6 @@
               </a:rPr>
               <a:t>Ryan Conyac, William McLain, Michael McGregor, </a:t>
             </a:r>
-            <a:endParaRPr lang="en-US" sz="6000" b="1" dirty="0" smtClean="0">
-              <a:solidFill>
-                <a:schemeClr val="accent6">
-                  <a:lumMod val="50000"/>
-                </a:schemeClr>
-              </a:solidFill>
-              <a:effectLst>
-                <a:outerShdw blurRad="38100" dist="38100" dir="2700000" algn="tl">
-                  <a:srgbClr val="000000">
-                    <a:alpha val="43137"/>
-                  </a:srgbClr>
-                </a:outerShdw>
-              </a:effectLst>
-              <a:latin typeface="Calibri" panose="020F0502020204030204" pitchFamily="34" charset="0"/>
-            </a:endParaRPr>
           </a:p>
           <a:p>
             <a:pPr eaLnBrk="1" hangingPunct="1"/>
@@ -4714,25 +4715,7 @@
                 </a:effectLst>
                 <a:latin typeface="Calibri" panose="020F0502020204030204" pitchFamily="34" charset="0"/>
               </a:rPr>
-              <a:t>Yuchen </a:t>
-            </a:r>
-            <a:r>
-              <a:rPr lang="en-US" sz="6000" b="1" dirty="0" smtClean="0">
-                <a:solidFill>
-                  <a:schemeClr val="accent6">
-                    <a:lumMod val="50000"/>
-                  </a:schemeClr>
-                </a:solidFill>
-                <a:effectLst>
-                  <a:outerShdw blurRad="38100" dist="38100" dir="2700000" algn="tl">
-                    <a:srgbClr val="000000">
-                      <a:alpha val="43137"/>
-                    </a:srgbClr>
-                  </a:outerShdw>
-                </a:effectLst>
-                <a:latin typeface="Calibri" panose="020F0502020204030204" pitchFamily="34" charset="0"/>
-              </a:rPr>
-              <a:t>Feng, Brian Davis </a:t>
+              <a:t>Yuchen Feng, Brian Davis </a:t>
             </a:r>
             <a:r>
               <a:rPr lang="en-US" sz="4000" b="1" dirty="0" smtClean="0">
@@ -4777,14 +4760,14 @@
           </a:ln>
           <a:extLst>
             <a:ext uri="{909E8E84-426E-40dd-AFC4-6F175D3DCCD1}">
-              <a14:hiddenFill xmlns:a14="http://schemas.microsoft.com/office/drawing/2010/main">
+              <a14:hiddenFill xmlns="" xmlns:a14="http://schemas.microsoft.com/office/drawing/2010/main">
                 <a:solidFill>
                   <a:srgbClr val="FFFFFF"/>
                 </a:solidFill>
               </a14:hiddenFill>
             </a:ext>
             <a:ext uri="{91240B29-F687-4f45-9708-019B960494DF}">
-              <a14:hiddenLine xmlns:a14="http://schemas.microsoft.com/office/drawing/2010/main" w="9525">
+              <a14:hiddenLine xmlns="" xmlns:a14="http://schemas.microsoft.com/office/drawing/2010/main" w="9525">
                 <a:solidFill>
                   <a:srgbClr val="000000"/>
                 </a:solidFill>
@@ -4922,7 +4905,6 @@
               <a:rPr lang="en-US" sz="3600" dirty="0" smtClean="0"/>
               <a:t>We knew that our game needed to have the ability to offer a variety of ships. Also we need a range of weapons with the option for the player to choose not to acquire them if he or she did not want them. And finally the different types of weapons needed to have different types of sounds when used. </a:t>
             </a:r>
-            <a:endParaRPr lang="en-US" sz="3600" dirty="0" smtClean="0"/>
           </a:p>
         </p:txBody>
       </p:sp>
@@ -4948,14 +4930,14 @@
           </a:ln>
           <a:extLst>
             <a:ext uri="{909E8E84-426E-40dd-AFC4-6F175D3DCCD1}">
-              <a14:hiddenFill xmlns:a14="http://schemas.microsoft.com/office/drawing/2010/main">
+              <a14:hiddenFill xmlns="" xmlns:a14="http://schemas.microsoft.com/office/drawing/2010/main">
                 <a:solidFill>
                   <a:srgbClr val="FFFFFF"/>
                 </a:solidFill>
               </a14:hiddenFill>
             </a:ext>
             <a:ext uri="{91240B29-F687-4f45-9708-019B960494DF}">
-              <a14:hiddenLine xmlns:a14="http://schemas.microsoft.com/office/drawing/2010/main" w="9525">
+              <a14:hiddenLine xmlns="" xmlns:a14="http://schemas.microsoft.com/office/drawing/2010/main" w="9525">
                 <a:solidFill>
                   <a:srgbClr val="000000"/>
                 </a:solidFill>
@@ -5114,7 +5096,7 @@
           </a:ln>
           <a:extLst>
             <a:ext uri="{91240B29-F687-4f45-9708-019B960494DF}">
-              <a14:hiddenLine xmlns:a14="http://schemas.microsoft.com/office/drawing/2010/main" w="9525">
+              <a14:hiddenLine xmlns="" xmlns:a14="http://schemas.microsoft.com/office/drawing/2010/main" w="9525">
                 <a:solidFill>
                   <a:srgbClr val="000000"/>
                 </a:solidFill>
@@ -5326,14 +5308,14 @@
           </a:ln>
           <a:extLst>
             <a:ext uri="{909E8E84-426E-40dd-AFC4-6F175D3DCCD1}">
-              <a14:hiddenFill xmlns:a14="http://schemas.microsoft.com/office/drawing/2010/main">
+              <a14:hiddenFill xmlns="" xmlns:a14="http://schemas.microsoft.com/office/drawing/2010/main">
                 <a:solidFill>
                   <a:srgbClr val="FFFFFF"/>
                 </a:solidFill>
               </a14:hiddenFill>
             </a:ext>
             <a:ext uri="{91240B29-F687-4f45-9708-019B960494DF}">
-              <a14:hiddenLine xmlns:a14="http://schemas.microsoft.com/office/drawing/2010/main" w="9525">
+              <a14:hiddenLine xmlns="" xmlns:a14="http://schemas.microsoft.com/office/drawing/2010/main" w="9525">
                 <a:solidFill>
                   <a:srgbClr val="000000"/>
                 </a:solidFill>
@@ -5466,8 +5448,8 @@
         </p:nvSpPr>
         <p:spPr bwMode="auto">
           <a:xfrm>
-            <a:off x="435152" y="17486877"/>
-            <a:ext cx="16450314" cy="7402026"/>
+            <a:off x="479339" y="18824189"/>
+            <a:ext cx="16480039" cy="7402026"/>
           </a:xfrm>
           <a:prstGeom prst="rect">
             <a:avLst/>
@@ -5478,14 +5460,14 @@
           </a:ln>
           <a:extLst>
             <a:ext uri="{909E8E84-426E-40dd-AFC4-6F175D3DCCD1}">
-              <a14:hiddenFill xmlns:a14="http://schemas.microsoft.com/office/drawing/2010/main">
+              <a14:hiddenFill xmlns="" xmlns:a14="http://schemas.microsoft.com/office/drawing/2010/main">
                 <a:solidFill>
                   <a:srgbClr val="FFFFFF"/>
                 </a:solidFill>
               </a14:hiddenFill>
             </a:ext>
             <a:ext uri="{91240B29-F687-4f45-9708-019B960494DF}">
-              <a14:hiddenLine xmlns:a14="http://schemas.microsoft.com/office/drawing/2010/main" w="9525">
+              <a14:hiddenLine xmlns="" xmlns:a14="http://schemas.microsoft.com/office/drawing/2010/main" w="9525">
                 <a:solidFill>
                   <a:srgbClr val="000000"/>
                 </a:solidFill>
@@ -5623,11 +5605,7 @@
             </a:pPr>
             <a:r>
               <a:rPr lang="en-US" sz="3600" dirty="0" smtClean="0"/>
-              <a:t>This </a:t>
-            </a:r>
-            <a:r>
-              <a:rPr lang="en-US" sz="3600" dirty="0" smtClean="0"/>
-              <a:t>choice makes it easier for our members to add and s=change current items in the game and lowers the chance of the changes effects other parts of the game. </a:t>
+              <a:t>This choice makes it easier for our members to add and s=change current items in the game and lowers the chance of the changes effects other parts of the game. </a:t>
             </a:r>
           </a:p>
           <a:p>
@@ -5657,7 +5635,7 @@
         </p:nvSpPr>
         <p:spPr bwMode="auto">
           <a:xfrm>
-            <a:off x="1109842" y="16407684"/>
+            <a:off x="1109842" y="17593388"/>
             <a:ext cx="11653837" cy="1028700"/>
           </a:xfrm>
           <a:prstGeom prst="rect">
@@ -5669,14 +5647,14 @@
           </a:ln>
           <a:extLst>
             <a:ext uri="{909E8E84-426E-40dd-AFC4-6F175D3DCCD1}">
-              <a14:hiddenFill xmlns:a14="http://schemas.microsoft.com/office/drawing/2010/main">
+              <a14:hiddenFill xmlns="" xmlns:a14="http://schemas.microsoft.com/office/drawing/2010/main">
                 <a:solidFill>
                   <a:srgbClr val="FFFFFF"/>
                 </a:solidFill>
               </a14:hiddenFill>
             </a:ext>
             <a:ext uri="{91240B29-F687-4f45-9708-019B960494DF}">
-              <a14:hiddenLine xmlns:a14="http://schemas.microsoft.com/office/drawing/2010/main" w="9525">
+              <a14:hiddenLine xmlns="" xmlns:a14="http://schemas.microsoft.com/office/drawing/2010/main" w="9525">
                 <a:solidFill>
                   <a:srgbClr val="000000"/>
                 </a:solidFill>
@@ -5821,7 +5799,7 @@
         </p:nvSpPr>
         <p:spPr bwMode="auto">
           <a:xfrm>
-            <a:off x="435152" y="16608534"/>
+            <a:off x="435152" y="17787031"/>
             <a:ext cx="674690" cy="641414"/>
           </a:xfrm>
           <a:prstGeom prst="ellipse">
@@ -5835,7 +5813,7 @@
           </a:ln>
           <a:extLst>
             <a:ext uri="{91240B29-F687-4f45-9708-019B960494DF}">
-              <a14:hiddenLine xmlns:a14="http://schemas.microsoft.com/office/drawing/2010/main" w="9525">
+              <a14:hiddenLine xmlns="" xmlns:a14="http://schemas.microsoft.com/office/drawing/2010/main" w="9525">
                 <a:solidFill>
                   <a:srgbClr val="000000"/>
                 </a:solidFill>
@@ -5981,7 +5959,7 @@
         <p:spPr bwMode="auto">
           <a:xfrm>
             <a:off x="31475815" y="6443287"/>
-            <a:ext cx="12262985" cy="4385816"/>
+            <a:ext cx="12262985" cy="6047809"/>
           </a:xfrm>
           <a:prstGeom prst="rect">
             <a:avLst/>
@@ -5992,14 +5970,14 @@
           </a:ln>
           <a:extLst>
             <a:ext uri="{909E8E84-426E-40dd-AFC4-6F175D3DCCD1}">
-              <a14:hiddenFill xmlns:a14="http://schemas.microsoft.com/office/drawing/2010/main">
+              <a14:hiddenFill xmlns="" xmlns:a14="http://schemas.microsoft.com/office/drawing/2010/main">
                 <a:solidFill>
                   <a:srgbClr val="FFFFFF"/>
                 </a:solidFill>
               </a14:hiddenFill>
             </a:ext>
             <a:ext uri="{91240B29-F687-4f45-9708-019B960494DF}">
-              <a14:hiddenLine xmlns:a14="http://schemas.microsoft.com/office/drawing/2010/main" w="9525">
+              <a14:hiddenLine xmlns="" xmlns:a14="http://schemas.microsoft.com/office/drawing/2010/main" w="9525">
                 <a:solidFill>
                   <a:srgbClr val="000000"/>
                 </a:solidFill>
@@ -6137,11 +6115,11 @@
             </a:pPr>
             <a:r>
               <a:rPr lang="en-US" sz="3600" b="1" u="sng" dirty="0" smtClean="0"/>
-              <a:t>Bridge </a:t>
+              <a:t>State pattern</a:t>
             </a:r>
             <a:r>
               <a:rPr lang="en-US" sz="3600" b="1" u="sng" dirty="0"/>
-              <a:t>pattern:</a:t>
+              <a:t>:</a:t>
             </a:r>
             <a:endParaRPr lang="en-US" sz="3600" b="1" dirty="0"/>
           </a:p>
@@ -6158,7 +6136,7 @@
             </a:pPr>
             <a:r>
               <a:rPr lang="en-US" sz="3600" dirty="0" smtClean="0"/>
-              <a:t>Intent is to decouple an abstraction from its implementation for independent variation.</a:t>
+              <a:t>Intent is to add depth to the users ability to pick up items..</a:t>
             </a:r>
           </a:p>
           <a:p>
@@ -6174,7 +6152,7 @@
             </a:pPr>
             <a:r>
               <a:rPr lang="en-US" sz="3600" dirty="0" smtClean="0"/>
-              <a:t>Applied in order to avoid permanent binding of the abstract ship to the ship’s behaviors.</a:t>
+              <a:t>Using the state pattern when the user picks up multiple items of the same kind the effect of the weapon changes and becomes more powerful. Meaning the beam is able to cover more ground and the user will be able to destroy more ships with less shots.</a:t>
             </a:r>
             <a:endParaRPr lang="en-US" sz="3600" dirty="0"/>
           </a:p>
@@ -6202,14 +6180,14 @@
           </a:ln>
           <a:extLst>
             <a:ext uri="{909E8E84-426E-40dd-AFC4-6F175D3DCCD1}">
-              <a14:hiddenFill xmlns:a14="http://schemas.microsoft.com/office/drawing/2010/main">
+              <a14:hiddenFill xmlns="" xmlns:a14="http://schemas.microsoft.com/office/drawing/2010/main">
                 <a:solidFill>
                   <a:srgbClr val="FFFFFF"/>
                 </a:solidFill>
               </a14:hiddenFill>
             </a:ext>
             <a:ext uri="{91240B29-F687-4f45-9708-019B960494DF}">
-              <a14:hiddenLine xmlns:a14="http://schemas.microsoft.com/office/drawing/2010/main" w="9525">
+              <a14:hiddenLine xmlns="" xmlns:a14="http://schemas.microsoft.com/office/drawing/2010/main" w="9525">
                 <a:solidFill>
                   <a:srgbClr val="000000"/>
                 </a:solidFill>
@@ -6368,7 +6346,7 @@
           </a:ln>
           <a:extLst>
             <a:ext uri="{91240B29-F687-4f45-9708-019B960494DF}">
-              <a14:hiddenLine xmlns:a14="http://schemas.microsoft.com/office/drawing/2010/main" w="9525">
+              <a14:hiddenLine xmlns="" xmlns:a14="http://schemas.microsoft.com/office/drawing/2010/main" w="9525">
                 <a:solidFill>
                   <a:srgbClr val="000000"/>
                 </a:solidFill>
@@ -6525,14 +6503,14 @@
           </a:ln>
           <a:extLst>
             <a:ext uri="{909E8E84-426E-40dd-AFC4-6F175D3DCCD1}">
-              <a14:hiddenFill xmlns:a14="http://schemas.microsoft.com/office/drawing/2010/main">
+              <a14:hiddenFill xmlns="" xmlns:a14="http://schemas.microsoft.com/office/drawing/2010/main">
                 <a:solidFill>
                   <a:srgbClr val="FFFFFF"/>
                 </a:solidFill>
               </a14:hiddenFill>
             </a:ext>
             <a:ext uri="{91240B29-F687-4f45-9708-019B960494DF}">
-              <a14:hiddenLine xmlns:a14="http://schemas.microsoft.com/office/drawing/2010/main" w="9525">
+              <a14:hiddenLine xmlns="" xmlns:a14="http://schemas.microsoft.com/office/drawing/2010/main" w="9525">
                 <a:solidFill>
                   <a:srgbClr val="000000"/>
                 </a:solidFill>
@@ -6736,14 +6714,14 @@
           </a:ln>
           <a:extLst>
             <a:ext uri="{909E8E84-426E-40dd-AFC4-6F175D3DCCD1}">
-              <a14:hiddenFill xmlns:a14="http://schemas.microsoft.com/office/drawing/2010/main">
+              <a14:hiddenFill xmlns="" xmlns:a14="http://schemas.microsoft.com/office/drawing/2010/main">
                 <a:solidFill>
                   <a:srgbClr val="FFFFFF"/>
                 </a:solidFill>
               </a14:hiddenFill>
             </a:ext>
             <a:ext uri="{91240B29-F687-4f45-9708-019B960494DF}">
-              <a14:hiddenLine xmlns:a14="http://schemas.microsoft.com/office/drawing/2010/main" w="9525">
+              <a14:hiddenLine xmlns="" xmlns:a14="http://schemas.microsoft.com/office/drawing/2010/main" w="9525">
                 <a:solidFill>
                   <a:srgbClr val="000000"/>
                 </a:solidFill>
@@ -6888,7 +6866,7 @@
             </a:pPr>
             <a:r>
               <a:rPr lang="en-US" sz="3600" dirty="0" smtClean="0"/>
-              <a:t>Give the player an at the beginning of the game of what ship to use..</a:t>
+              <a:t>Give the player an at the beginning of the game a choice of what ship to use..</a:t>
             </a:r>
           </a:p>
           <a:p>
@@ -7125,14 +7103,14 @@
           </a:ln>
           <a:extLst>
             <a:ext uri="{909E8E84-426E-40dd-AFC4-6F175D3DCCD1}">
-              <a14:hiddenFill xmlns:a14="http://schemas.microsoft.com/office/drawing/2010/main">
+              <a14:hiddenFill xmlns="" xmlns:a14="http://schemas.microsoft.com/office/drawing/2010/main">
                 <a:solidFill>
                   <a:srgbClr val="FFFFFF"/>
                 </a:solidFill>
               </a14:hiddenFill>
             </a:ext>
             <a:ext uri="{91240B29-F687-4f45-9708-019B960494DF}">
-              <a14:hiddenLine xmlns:a14="http://schemas.microsoft.com/office/drawing/2010/main" w="9525">
+              <a14:hiddenLine xmlns="" xmlns:a14="http://schemas.microsoft.com/office/drawing/2010/main" w="9525">
                 <a:solidFill>
                   <a:srgbClr val="000000"/>
                 </a:solidFill>
@@ -7291,7 +7269,7 @@
           </a:ln>
           <a:extLst>
             <a:ext uri="{91240B29-F687-4f45-9708-019B960494DF}">
-              <a14:hiddenLine xmlns:a14="http://schemas.microsoft.com/office/drawing/2010/main" w="9525">
+              <a14:hiddenLine xmlns="" xmlns:a14="http://schemas.microsoft.com/office/drawing/2010/main" w="9525">
                 <a:solidFill>
                   <a:srgbClr val="000000"/>
                 </a:solidFill>
@@ -7440,14 +7418,14 @@
           </a:ln>
           <a:extLst>
             <a:ext uri="{909E8E84-426E-40dd-AFC4-6F175D3DCCD1}">
-              <a14:hiddenFill xmlns:a14="http://schemas.microsoft.com/office/drawing/2010/main">
+              <a14:hiddenFill xmlns="" xmlns:a14="http://schemas.microsoft.com/office/drawing/2010/main">
                 <a:solidFill>
                   <a:srgbClr val="FFFFFF"/>
                 </a:solidFill>
               </a14:hiddenFill>
             </a:ext>
             <a:ext uri="{91240B29-F687-4f45-9708-019B960494DF}">
-              <a14:hiddenLine xmlns:a14="http://schemas.microsoft.com/office/drawing/2010/main" w="9525">
+              <a14:hiddenLine xmlns="" xmlns:a14="http://schemas.microsoft.com/office/drawing/2010/main" w="9525">
                 <a:solidFill>
                   <a:srgbClr val="000000"/>
                 </a:solidFill>
@@ -7606,7 +7584,7 @@
           </a:ln>
           <a:extLst>
             <a:ext uri="{91240B29-F687-4f45-9708-019B960494DF}">
-              <a14:hiddenLine xmlns:a14="http://schemas.microsoft.com/office/drawing/2010/main" w="9525">
+              <a14:hiddenLine xmlns="" xmlns:a14="http://schemas.microsoft.com/office/drawing/2010/main" w="9525">
                 <a:solidFill>
                   <a:srgbClr val="000000"/>
                 </a:solidFill>
@@ -7763,7 +7741,7 @@
         </p:blipFill>
         <p:spPr>
           <a:xfrm>
-            <a:off x="14462755" y="5055714"/>
+            <a:off x="12991925" y="5447635"/>
             <a:ext cx="2032000" cy="2984500"/>
           </a:xfrm>
           <a:prstGeom prst="rect">
@@ -7793,7 +7771,7 @@
         </p:blipFill>
         <p:spPr>
           <a:xfrm>
-            <a:off x="14891383" y="8452734"/>
+            <a:off x="14810853" y="8197191"/>
             <a:ext cx="1333500" cy="2540000"/>
           </a:xfrm>
           <a:prstGeom prst="rect">
@@ -7823,7 +7801,7 @@
         </p:blipFill>
         <p:spPr>
           <a:xfrm>
-            <a:off x="15081890" y="11667235"/>
+            <a:off x="14120391" y="11589054"/>
             <a:ext cx="2023962" cy="2023962"/>
           </a:xfrm>
           <a:prstGeom prst="rect">
@@ -7853,7 +7831,7 @@
         </p:blipFill>
         <p:spPr>
           <a:xfrm>
-            <a:off x="11470154" y="5847208"/>
+            <a:off x="10456149" y="6645941"/>
             <a:ext cx="2036833" cy="3486119"/>
           </a:xfrm>
           <a:prstGeom prst="rect">
@@ -7883,7 +7861,7 @@
         </p:blipFill>
         <p:spPr>
           <a:xfrm>
-            <a:off x="11684517" y="9751211"/>
+            <a:off x="10956670" y="10618089"/>
             <a:ext cx="2032000" cy="2641600"/>
           </a:xfrm>
           <a:prstGeom prst="rect">
@@ -7913,7 +7891,7 @@
         </p:blipFill>
         <p:spPr>
           <a:xfrm>
-            <a:off x="32178383" y="11522747"/>
+            <a:off x="29039007" y="22903403"/>
             <a:ext cx="1765300" cy="2273300"/>
           </a:xfrm>
           <a:prstGeom prst="rect">
@@ -8071,6 +8049,376 @@
           </a:prstGeom>
         </p:spPr>
       </p:pic>
+      <p:pic>
+        <p:nvPicPr>
+          <p:cNvPr id="11" name="Picture 10"/>
+          <p:cNvPicPr>
+            <a:picLocks noChangeAspect="1"/>
+          </p:cNvPicPr>
+          <p:nvPr/>
+        </p:nvPicPr>
+        <p:blipFill>
+          <a:blip r:embed="rId18">
+            <a:extLst>
+              <a:ext uri="{28A0092B-C50C-407E-A947-70E740481C1C}">
+                <a14:useLocalDpi xmlns:a14="http://schemas.microsoft.com/office/drawing/2010/main" val="0"/>
+              </a:ext>
+            </a:extLst>
+          </a:blip>
+          <a:stretch>
+            <a:fillRect/>
+          </a:stretch>
+        </p:blipFill>
+        <p:spPr>
+          <a:xfrm>
+            <a:off x="31295808" y="13259689"/>
+            <a:ext cx="12306308" cy="9539004"/>
+          </a:xfrm>
+          <a:prstGeom prst="rect">
+            <a:avLst/>
+          </a:prstGeom>
+        </p:spPr>
+      </p:pic>
+      <p:pic>
+        <p:nvPicPr>
+          <p:cNvPr id="17" name="Picture 16"/>
+          <p:cNvPicPr>
+            <a:picLocks noChangeAspect="1"/>
+          </p:cNvPicPr>
+          <p:nvPr/>
+        </p:nvPicPr>
+        <p:blipFill>
+          <a:blip r:embed="rId19">
+            <a:extLst>
+              <a:ext uri="{28A0092B-C50C-407E-A947-70E740481C1C}">
+                <a14:useLocalDpi xmlns:a14="http://schemas.microsoft.com/office/drawing/2010/main" val="0"/>
+              </a:ext>
+            </a:extLst>
+          </a:blip>
+          <a:stretch>
+            <a:fillRect/>
+          </a:stretch>
+        </p:blipFill>
+        <p:spPr>
+          <a:xfrm>
+            <a:off x="13598212" y="26966297"/>
+            <a:ext cx="3407748" cy="5664434"/>
+          </a:xfrm>
+          <a:prstGeom prst="rect">
+            <a:avLst/>
+          </a:prstGeom>
+        </p:spPr>
+      </p:pic>
+      <p:pic>
+        <p:nvPicPr>
+          <p:cNvPr id="18" name="Picture 17"/>
+          <p:cNvPicPr>
+            <a:picLocks noChangeAspect="1"/>
+          </p:cNvPicPr>
+          <p:nvPr/>
+        </p:nvPicPr>
+        <p:blipFill>
+          <a:blip r:embed="rId20">
+            <a:extLst>
+              <a:ext uri="{28A0092B-C50C-407E-A947-70E740481C1C}">
+                <a14:useLocalDpi xmlns:a14="http://schemas.microsoft.com/office/drawing/2010/main" val="0"/>
+              </a:ext>
+            </a:extLst>
+          </a:blip>
+          <a:stretch>
+            <a:fillRect/>
+          </a:stretch>
+        </p:blipFill>
+        <p:spPr>
+          <a:xfrm>
+            <a:off x="4237239" y="26966297"/>
+            <a:ext cx="3134469" cy="5664434"/>
+          </a:xfrm>
+          <a:prstGeom prst="rect">
+            <a:avLst/>
+          </a:prstGeom>
+        </p:spPr>
+      </p:pic>
+      <p:pic>
+        <p:nvPicPr>
+          <p:cNvPr id="19" name="Picture 18"/>
+          <p:cNvPicPr>
+            <a:picLocks noChangeAspect="1"/>
+          </p:cNvPicPr>
+          <p:nvPr/>
+        </p:nvPicPr>
+        <p:blipFill>
+          <a:blip r:embed="rId21">
+            <a:extLst>
+              <a:ext uri="{28A0092B-C50C-407E-A947-70E740481C1C}">
+                <a14:useLocalDpi xmlns:a14="http://schemas.microsoft.com/office/drawing/2010/main" val="0"/>
+              </a:ext>
+            </a:extLst>
+          </a:blip>
+          <a:stretch>
+            <a:fillRect/>
+          </a:stretch>
+        </p:blipFill>
+        <p:spPr>
+          <a:xfrm>
+            <a:off x="22463149" y="26888243"/>
+            <a:ext cx="3291597" cy="5742488"/>
+          </a:xfrm>
+          <a:prstGeom prst="rect">
+            <a:avLst/>
+          </a:prstGeom>
+        </p:spPr>
+      </p:pic>
+      <p:sp>
+        <p:nvSpPr>
+          <p:cNvPr id="20" name="TextBox 19"/>
+          <p:cNvSpPr txBox="1"/>
+          <p:nvPr/>
+        </p:nvSpPr>
+        <p:spPr>
+          <a:xfrm>
+            <a:off x="8141022" y="27347472"/>
+            <a:ext cx="3467881" cy="3046988"/>
+          </a:xfrm>
+          <a:prstGeom prst="rect">
+            <a:avLst/>
+          </a:prstGeom>
+          <a:noFill/>
+        </p:spPr>
+        <p:txBody>
+          <a:bodyPr wrap="square" rtlCol="0">
+            <a:spAutoFit/>
+          </a:bodyPr>
+          <a:lstStyle/>
+          <a:p>
+            <a:r>
+              <a:rPr lang="en-US" sz="3200" dirty="0" smtClean="0"/>
+              <a:t>The first time you pick up the missile weapon you are able to shoot 2 missiles at once.</a:t>
+            </a:r>
+            <a:endParaRPr lang="en-US" sz="3200" dirty="0"/>
+          </a:p>
+        </p:txBody>
+      </p:sp>
+      <p:sp>
+        <p:nvSpPr>
+          <p:cNvPr id="21" name="TextBox 20"/>
+          <p:cNvSpPr txBox="1"/>
+          <p:nvPr/>
+        </p:nvSpPr>
+        <p:spPr>
+          <a:xfrm>
+            <a:off x="17705754" y="26966297"/>
+            <a:ext cx="3866699" cy="3046988"/>
+          </a:xfrm>
+          <a:prstGeom prst="rect">
+            <a:avLst/>
+          </a:prstGeom>
+          <a:noFill/>
+        </p:spPr>
+        <p:txBody>
+          <a:bodyPr wrap="square" rtlCol="0">
+            <a:spAutoFit/>
+          </a:bodyPr>
+          <a:lstStyle/>
+          <a:p>
+            <a:r>
+              <a:rPr lang="en-US" sz="3200" dirty="0" smtClean="0"/>
+              <a:t>The second you select the missile pick you can fire  2 missile along with multiple energy spheres.</a:t>
+            </a:r>
+            <a:endParaRPr lang="en-US" sz="3200" dirty="0"/>
+          </a:p>
+        </p:txBody>
+      </p:sp>
+      <p:sp>
+        <p:nvSpPr>
+          <p:cNvPr id="22" name="TextBox 21"/>
+          <p:cNvSpPr txBox="1"/>
+          <p:nvPr/>
+        </p:nvSpPr>
+        <p:spPr>
+          <a:xfrm>
+            <a:off x="26645442" y="27347472"/>
+            <a:ext cx="3644057" cy="2554545"/>
+          </a:xfrm>
+          <a:prstGeom prst="rect">
+            <a:avLst/>
+          </a:prstGeom>
+          <a:noFill/>
+        </p:spPr>
+        <p:txBody>
+          <a:bodyPr wrap="square" rtlCol="0">
+            <a:spAutoFit/>
+          </a:bodyPr>
+          <a:lstStyle/>
+          <a:p>
+            <a:r>
+              <a:rPr lang="en-US" sz="3200" dirty="0" smtClean="0"/>
+              <a:t>The third time you select the missile pick up you fire a barrage of missiles at once.</a:t>
+            </a:r>
+            <a:endParaRPr lang="en-US" sz="3200" dirty="0"/>
+          </a:p>
+        </p:txBody>
+      </p:sp>
+      <p:sp>
+        <p:nvSpPr>
+          <p:cNvPr id="23" name="Right Arrow 22"/>
+          <p:cNvSpPr/>
+          <p:nvPr/>
+        </p:nvSpPr>
+        <p:spPr bwMode="auto">
+          <a:xfrm>
+            <a:off x="8797006" y="29771919"/>
+            <a:ext cx="3695976" cy="2194933"/>
+          </a:xfrm>
+          <a:prstGeom prst="rightArrow">
+            <a:avLst/>
+          </a:prstGeom>
+          <a:solidFill>
+            <a:schemeClr val="accent1"/>
+          </a:solidFill>
+          <a:ln w="9525" cap="flat" cmpd="sng" algn="ctr">
+            <a:solidFill>
+              <a:schemeClr val="tx1"/>
+            </a:solidFill>
+            <a:prstDash val="solid"/>
+            <a:round/>
+            <a:headEnd type="none" w="med" len="med"/>
+            <a:tailEnd type="none" w="med" len="med"/>
+          </a:ln>
+          <a:effectLst/>
+        </p:spPr>
+        <p:txBody>
+          <a:bodyPr vert="horz" wrap="square" lIns="91440" tIns="45720" rIns="91440" bIns="45720" numCol="1" rtlCol="0" anchor="t" anchorCtr="0" compatLnSpc="1">
+            <a:prstTxWarp prst="textNoShape">
+              <a:avLst/>
+            </a:prstTxWarp>
+          </a:bodyPr>
+          <a:lstStyle/>
+          <a:p>
+            <a:pPr marL="0" marR="0" indent="0" algn="l" defTabSz="4703763" rtl="0" eaLnBrk="1" fontAlgn="base" latinLnBrk="0" hangingPunct="1">
+              <a:lnSpc>
+                <a:spcPct val="100000"/>
+              </a:lnSpc>
+              <a:spcBef>
+                <a:spcPct val="0"/>
+              </a:spcBef>
+              <a:spcAft>
+                <a:spcPct val="0"/>
+              </a:spcAft>
+              <a:buClrTx/>
+              <a:buSzTx/>
+              <a:buFontTx/>
+              <a:buNone/>
+              <a:tabLst/>
+            </a:pPr>
+            <a:endParaRPr kumimoji="0" lang="en-US" sz="3000" b="0" i="0" u="none" strike="noStrike" cap="none" normalizeH="0" baseline="0" smtClean="0">
+              <a:ln>
+                <a:noFill/>
+              </a:ln>
+              <a:solidFill>
+                <a:schemeClr val="tx1"/>
+              </a:solidFill>
+              <a:effectLst/>
+              <a:latin typeface="Arial" charset="0"/>
+            </a:endParaRPr>
+          </a:p>
+        </p:txBody>
+      </p:sp>
+      <p:sp>
+        <p:nvSpPr>
+          <p:cNvPr id="44" name="Right Arrow 43"/>
+          <p:cNvSpPr/>
+          <p:nvPr/>
+        </p:nvSpPr>
+        <p:spPr bwMode="auto">
+          <a:xfrm>
+            <a:off x="18170728" y="29998562"/>
+            <a:ext cx="3695976" cy="2194933"/>
+          </a:xfrm>
+          <a:prstGeom prst="rightArrow">
+            <a:avLst/>
+          </a:prstGeom>
+          <a:solidFill>
+            <a:schemeClr val="accent1"/>
+          </a:solidFill>
+          <a:ln w="9525" cap="flat" cmpd="sng" algn="ctr">
+            <a:solidFill>
+              <a:schemeClr val="tx1"/>
+            </a:solidFill>
+            <a:prstDash val="solid"/>
+            <a:round/>
+            <a:headEnd type="none" w="med" len="med"/>
+            <a:tailEnd type="none" w="med" len="med"/>
+          </a:ln>
+          <a:effectLst/>
+        </p:spPr>
+        <p:txBody>
+          <a:bodyPr vert="horz" wrap="square" lIns="91440" tIns="45720" rIns="91440" bIns="45720" numCol="1" rtlCol="0" anchor="t" anchorCtr="0" compatLnSpc="1">
+            <a:prstTxWarp prst="textNoShape">
+              <a:avLst/>
+            </a:prstTxWarp>
+          </a:bodyPr>
+          <a:lstStyle/>
+          <a:p>
+            <a:pPr marL="0" marR="0" indent="0" algn="l" defTabSz="4703763" rtl="0" eaLnBrk="1" fontAlgn="base" latinLnBrk="0" hangingPunct="1">
+              <a:lnSpc>
+                <a:spcPct val="100000"/>
+              </a:lnSpc>
+              <a:spcBef>
+                <a:spcPct val="0"/>
+              </a:spcBef>
+              <a:spcAft>
+                <a:spcPct val="0"/>
+              </a:spcAft>
+              <a:buClrTx/>
+              <a:buSzTx/>
+              <a:buFontTx/>
+              <a:buNone/>
+              <a:tabLst/>
+            </a:pPr>
+            <a:endParaRPr kumimoji="0" lang="en-US" sz="3000" b="0" i="0" u="none" strike="noStrike" cap="none" normalizeH="0" baseline="0" smtClean="0">
+              <a:ln>
+                <a:noFill/>
+              </a:ln>
+              <a:solidFill>
+                <a:schemeClr val="tx1"/>
+              </a:solidFill>
+              <a:effectLst/>
+              <a:latin typeface="Arial" charset="0"/>
+            </a:endParaRPr>
+          </a:p>
+        </p:txBody>
+      </p:sp>
+      <p:sp>
+        <p:nvSpPr>
+          <p:cNvPr id="24" name="TextBox 23"/>
+          <p:cNvSpPr txBox="1"/>
+          <p:nvPr/>
+        </p:nvSpPr>
+        <p:spPr>
+          <a:xfrm>
+            <a:off x="375556" y="27387308"/>
+            <a:ext cx="3161889" cy="1323439"/>
+          </a:xfrm>
+          <a:prstGeom prst="rect">
+            <a:avLst/>
+          </a:prstGeom>
+          <a:noFill/>
+        </p:spPr>
+        <p:txBody>
+          <a:bodyPr wrap="square" rtlCol="0">
+            <a:spAutoFit/>
+          </a:bodyPr>
+          <a:lstStyle/>
+          <a:p>
+            <a:r>
+              <a:rPr lang="en-US" sz="4000" dirty="0" smtClean="0"/>
+              <a:t>Item pick up example:: </a:t>
+            </a:r>
+            <a:endParaRPr lang="en-US" sz="4000" dirty="0"/>
+          </a:p>
+        </p:txBody>
+      </p:sp>
     </p:spTree>
   </p:cSld>
   <p:clrMapOvr>
@@ -8079,7 +8427,7 @@
   <p:timing>
     <p:tnLst>
       <p:par>
-        <p:cTn xmlns:p14="http://schemas.microsoft.com/office/powerpoint/2010/main" id="1" dur="indefinite" restart="never" nodeType="tmRoot"/>
+        <p:cTn id="1" dur="indefinite" restart="never" nodeType="tmRoot"/>
       </p:par>
     </p:tnLst>
   </p:timing>

--- a/SDDPoster.pptx
+++ b/SDDPoster.pptx
@@ -322,7 +322,7 @@
           </a:ln>
           <a:extLst>
             <a:ext uri="{909E8E84-426E-40dd-AFC4-6F175D3DCCD1}">
-              <a14:hiddenFill xmlns="" xmlns:a14="http://schemas.microsoft.com/office/drawing/2010/main">
+              <a14:hiddenFill xmlns:a14="http://schemas.microsoft.com/office/drawing/2010/main" xmlns="">
                 <a:solidFill>
                   <a:srgbClr val="FFFFFF"/>
                 </a:solidFill>
@@ -663,14 +663,14 @@
           <a:ln/>
           <a:extLst>
             <a:ext uri="{909E8E84-426E-40dd-AFC4-6F175D3DCCD1}">
-              <a14:hiddenFill xmlns="" xmlns:a14="http://schemas.microsoft.com/office/drawing/2010/main">
+              <a14:hiddenFill xmlns:a14="http://schemas.microsoft.com/office/drawing/2010/main" xmlns="">
                 <a:solidFill>
                   <a:srgbClr val="FFFFFF"/>
                 </a:solidFill>
               </a14:hiddenFill>
             </a:ext>
             <a:ext uri="{91240B29-F687-4f45-9708-019B960494DF}">
-              <a14:hiddenLine xmlns="" xmlns:a14="http://schemas.microsoft.com/office/drawing/2010/main" w="9525">
+              <a14:hiddenLine xmlns:a14="http://schemas.microsoft.com/office/drawing/2010/main" xmlns="" w="9525">
                 <a:solidFill>
                   <a:srgbClr val="000000"/>
                 </a:solidFill>
@@ -825,14 +825,14 @@
           <a:ln/>
           <a:extLst>
             <a:ext uri="{909E8E84-426E-40dd-AFC4-6F175D3DCCD1}">
-              <a14:hiddenFill xmlns="" xmlns:a14="http://schemas.microsoft.com/office/drawing/2010/main">
+              <a14:hiddenFill xmlns:a14="http://schemas.microsoft.com/office/drawing/2010/main" xmlns="">
                 <a:solidFill>
                   <a:srgbClr val="FFFFFF"/>
                 </a:solidFill>
               </a14:hiddenFill>
             </a:ext>
             <a:ext uri="{91240B29-F687-4f45-9708-019B960494DF}">
-              <a14:hiddenLine xmlns="" xmlns:a14="http://schemas.microsoft.com/office/drawing/2010/main" w="9525">
+              <a14:hiddenLine xmlns:a14="http://schemas.microsoft.com/office/drawing/2010/main" xmlns="" w="9525">
                 <a:solidFill>
                   <a:srgbClr val="000000"/>
                 </a:solidFill>
@@ -3506,14 +3506,14 @@
           </a:ln>
           <a:extLst>
             <a:ext uri="{909E8E84-426E-40dd-AFC4-6F175D3DCCD1}">
-              <a14:hiddenFill xmlns="" xmlns:a14="http://schemas.microsoft.com/office/drawing/2010/main">
+              <a14:hiddenFill xmlns:a14="http://schemas.microsoft.com/office/drawing/2010/main" xmlns="">
                 <a:solidFill>
                   <a:srgbClr val="FFFFFF"/>
                 </a:solidFill>
               </a14:hiddenFill>
             </a:ext>
             <a:ext uri="{91240B29-F687-4f45-9708-019B960494DF}">
-              <a14:hiddenLine xmlns="" xmlns:a14="http://schemas.microsoft.com/office/drawing/2010/main" w="9525">
+              <a14:hiddenLine xmlns:a14="http://schemas.microsoft.com/office/drawing/2010/main" xmlns="" w="9525">
                 <a:solidFill>
                   <a:srgbClr val="000000"/>
                 </a:solidFill>
@@ -3564,14 +3564,14 @@
           </a:ln>
           <a:extLst>
             <a:ext uri="{909E8E84-426E-40dd-AFC4-6F175D3DCCD1}">
-              <a14:hiddenFill xmlns="" xmlns:a14="http://schemas.microsoft.com/office/drawing/2010/main">
+              <a14:hiddenFill xmlns:a14="http://schemas.microsoft.com/office/drawing/2010/main" xmlns="">
                 <a:solidFill>
                   <a:srgbClr val="FFFFFF"/>
                 </a:solidFill>
               </a14:hiddenFill>
             </a:ext>
             <a:ext uri="{91240B29-F687-4f45-9708-019B960494DF}">
-              <a14:hiddenLine xmlns="" xmlns:a14="http://schemas.microsoft.com/office/drawing/2010/main" w="9525">
+              <a14:hiddenLine xmlns:a14="http://schemas.microsoft.com/office/drawing/2010/main" xmlns="" w="9525">
                 <a:solidFill>
                   <a:srgbClr val="000000"/>
                 </a:solidFill>
@@ -4234,14 +4234,14 @@
           </a:effectLst>
           <a:extLst>
             <a:ext uri="{909E8E84-426E-40dd-AFC4-6F175D3DCCD1}">
-              <a14:hiddenFill xmlns="" xmlns:a14="http://schemas.microsoft.com/office/drawing/2010/main">
+              <a14:hiddenFill xmlns:a14="http://schemas.microsoft.com/office/drawing/2010/main" xmlns="">
                 <a:solidFill>
                   <a:srgbClr val="FFFFFF"/>
                 </a:solidFill>
               </a14:hiddenFill>
             </a:ext>
             <a:ext uri="{91240B29-F687-4f45-9708-019B960494DF}">
-              <a14:hiddenLine xmlns="" xmlns:a14="http://schemas.microsoft.com/office/drawing/2010/main" w="9525">
+              <a14:hiddenLine xmlns:a14="http://schemas.microsoft.com/office/drawing/2010/main" xmlns="" w="9525">
                 <a:solidFill>
                   <a:srgbClr val="000000"/>
                 </a:solidFill>
@@ -4444,14 +4444,14 @@
           </a:effectLst>
           <a:extLst>
             <a:ext uri="{909E8E84-426E-40dd-AFC4-6F175D3DCCD1}">
-              <a14:hiddenFill xmlns="" xmlns:a14="http://schemas.microsoft.com/office/drawing/2010/main">
+              <a14:hiddenFill xmlns:a14="http://schemas.microsoft.com/office/drawing/2010/main" xmlns="">
                 <a:solidFill>
                   <a:srgbClr val="FFFFFF"/>
                 </a:solidFill>
               </a14:hiddenFill>
             </a:ext>
             <a:ext uri="{91240B29-F687-4f45-9708-019B960494DF}">
-              <a14:hiddenLine xmlns="" xmlns:a14="http://schemas.microsoft.com/office/drawing/2010/main" w="9525">
+              <a14:hiddenLine xmlns:a14="http://schemas.microsoft.com/office/drawing/2010/main" xmlns="" w="9525">
                 <a:solidFill>
                   <a:srgbClr val="000000"/>
                 </a:solidFill>
@@ -4485,14 +4485,14 @@
           </a:ln>
           <a:extLst>
             <a:ext uri="{909E8E84-426E-40dd-AFC4-6F175D3DCCD1}">
-              <a14:hiddenFill xmlns="" xmlns:a14="http://schemas.microsoft.com/office/drawing/2010/main">
+              <a14:hiddenFill xmlns:a14="http://schemas.microsoft.com/office/drawing/2010/main" xmlns="">
                 <a:solidFill>
                   <a:srgbClr val="FFFFFF"/>
                 </a:solidFill>
               </a14:hiddenFill>
             </a:ext>
             <a:ext uri="{91240B29-F687-4f45-9708-019B960494DF}">
-              <a14:hiddenLine xmlns="" xmlns:a14="http://schemas.microsoft.com/office/drawing/2010/main" w="9525">
+              <a14:hiddenLine xmlns:a14="http://schemas.microsoft.com/office/drawing/2010/main" xmlns="" w="9525">
                 <a:solidFill>
                   <a:srgbClr val="000000"/>
                 </a:solidFill>
@@ -4760,14 +4760,14 @@
           </a:ln>
           <a:extLst>
             <a:ext uri="{909E8E84-426E-40dd-AFC4-6F175D3DCCD1}">
-              <a14:hiddenFill xmlns="" xmlns:a14="http://schemas.microsoft.com/office/drawing/2010/main">
+              <a14:hiddenFill xmlns:a14="http://schemas.microsoft.com/office/drawing/2010/main" xmlns="">
                 <a:solidFill>
                   <a:srgbClr val="FFFFFF"/>
                 </a:solidFill>
               </a14:hiddenFill>
             </a:ext>
             <a:ext uri="{91240B29-F687-4f45-9708-019B960494DF}">
-              <a14:hiddenLine xmlns="" xmlns:a14="http://schemas.microsoft.com/office/drawing/2010/main" w="9525">
+              <a14:hiddenLine xmlns:a14="http://schemas.microsoft.com/office/drawing/2010/main" xmlns="" w="9525">
                 <a:solidFill>
                   <a:srgbClr val="000000"/>
                 </a:solidFill>
@@ -4930,14 +4930,14 @@
           </a:ln>
           <a:extLst>
             <a:ext uri="{909E8E84-426E-40dd-AFC4-6F175D3DCCD1}">
-              <a14:hiddenFill xmlns="" xmlns:a14="http://schemas.microsoft.com/office/drawing/2010/main">
+              <a14:hiddenFill xmlns:a14="http://schemas.microsoft.com/office/drawing/2010/main" xmlns="">
                 <a:solidFill>
                   <a:srgbClr val="FFFFFF"/>
                 </a:solidFill>
               </a14:hiddenFill>
             </a:ext>
             <a:ext uri="{91240B29-F687-4f45-9708-019B960494DF}">
-              <a14:hiddenLine xmlns="" xmlns:a14="http://schemas.microsoft.com/office/drawing/2010/main" w="9525">
+              <a14:hiddenLine xmlns:a14="http://schemas.microsoft.com/office/drawing/2010/main" xmlns="" w="9525">
                 <a:solidFill>
                   <a:srgbClr val="000000"/>
                 </a:solidFill>
@@ -5096,7 +5096,7 @@
           </a:ln>
           <a:extLst>
             <a:ext uri="{91240B29-F687-4f45-9708-019B960494DF}">
-              <a14:hiddenLine xmlns="" xmlns:a14="http://schemas.microsoft.com/office/drawing/2010/main" w="9525">
+              <a14:hiddenLine xmlns:a14="http://schemas.microsoft.com/office/drawing/2010/main" xmlns="" w="9525">
                 <a:solidFill>
                   <a:srgbClr val="000000"/>
                 </a:solidFill>
@@ -5308,14 +5308,14 @@
           </a:ln>
           <a:extLst>
             <a:ext uri="{909E8E84-426E-40dd-AFC4-6F175D3DCCD1}">
-              <a14:hiddenFill xmlns="" xmlns:a14="http://schemas.microsoft.com/office/drawing/2010/main">
+              <a14:hiddenFill xmlns:a14="http://schemas.microsoft.com/office/drawing/2010/main" xmlns="">
                 <a:solidFill>
                   <a:srgbClr val="FFFFFF"/>
                 </a:solidFill>
               </a14:hiddenFill>
             </a:ext>
             <a:ext uri="{91240B29-F687-4f45-9708-019B960494DF}">
-              <a14:hiddenLine xmlns="" xmlns:a14="http://schemas.microsoft.com/office/drawing/2010/main" w="9525">
+              <a14:hiddenLine xmlns:a14="http://schemas.microsoft.com/office/drawing/2010/main" xmlns="" w="9525">
                 <a:solidFill>
                   <a:srgbClr val="000000"/>
                 </a:solidFill>
@@ -5432,7 +5432,15 @@
             <a:pPr eaLnBrk="1" hangingPunct="1"/>
             <a:r>
               <a:rPr lang="en-US" sz="3600" dirty="0" smtClean="0"/>
-              <a:t>These three things had to work in order to make the game feel complete. Since these aspects were all assigned to different team members. This required lots of team work to finally get it to work properly.</a:t>
+              <a:t>These three things had to work in order to make the game feel complete. Since these </a:t>
+            </a:r>
+            <a:r>
+              <a:rPr lang="en-US" sz="3600" dirty="0" smtClean="0"/>
+              <a:t>aspects were all assigned to </a:t>
+            </a:r>
+            <a:r>
+              <a:rPr lang="en-US" sz="3600" dirty="0" smtClean="0"/>
+              <a:t>different team members. This required lots of team work to finally get it to work properly.</a:t>
             </a:r>
             <a:endParaRPr lang="en-US" sz="3600" dirty="0"/>
           </a:p>
@@ -5449,7 +5457,7 @@
         <p:spPr bwMode="auto">
           <a:xfrm>
             <a:off x="479339" y="18824189"/>
-            <a:ext cx="16480039" cy="7402026"/>
+            <a:ext cx="16480039" cy="6848029"/>
           </a:xfrm>
           <a:prstGeom prst="rect">
             <a:avLst/>
@@ -5460,14 +5468,14 @@
           </a:ln>
           <a:extLst>
             <a:ext uri="{909E8E84-426E-40dd-AFC4-6F175D3DCCD1}">
-              <a14:hiddenFill xmlns="" xmlns:a14="http://schemas.microsoft.com/office/drawing/2010/main">
+              <a14:hiddenFill xmlns:a14="http://schemas.microsoft.com/office/drawing/2010/main" xmlns="">
                 <a:solidFill>
                   <a:srgbClr val="FFFFFF"/>
                 </a:solidFill>
               </a14:hiddenFill>
             </a:ext>
             <a:ext uri="{91240B29-F687-4f45-9708-019B960494DF}">
-              <a14:hiddenLine xmlns="" xmlns:a14="http://schemas.microsoft.com/office/drawing/2010/main" w="9525">
+              <a14:hiddenLine xmlns:a14="http://schemas.microsoft.com/office/drawing/2010/main" xmlns="" w="9525">
                 <a:solidFill>
                   <a:srgbClr val="000000"/>
                 </a:solidFill>
@@ -5605,7 +5613,23 @@
             </a:pPr>
             <a:r>
               <a:rPr lang="en-US" sz="3600" dirty="0" smtClean="0"/>
-              <a:t>This choice makes it easier for our members to add and s=change current items in the game and lowers the chance of the changes effects other parts of the game. </a:t>
+              <a:t>This choice makes it easier for our members to add and </a:t>
+            </a:r>
+            <a:r>
+              <a:rPr lang="en-US" sz="3600" dirty="0" smtClean="0"/>
+              <a:t>change current </a:t>
+            </a:r>
+            <a:r>
+              <a:rPr lang="en-US" sz="3600" dirty="0" smtClean="0"/>
+              <a:t>items in the game and lowers the chance of the changes effects </a:t>
+            </a:r>
+            <a:r>
+              <a:rPr lang="en-US" sz="3600" dirty="0" smtClean="0"/>
+              <a:t>other </a:t>
+            </a:r>
+            <a:r>
+              <a:rPr lang="en-US" sz="3600" dirty="0" smtClean="0"/>
+              <a:t>parts of the game. </a:t>
             </a:r>
           </a:p>
           <a:p>
@@ -5647,14 +5671,14 @@
           </a:ln>
           <a:extLst>
             <a:ext uri="{909E8E84-426E-40dd-AFC4-6F175D3DCCD1}">
-              <a14:hiddenFill xmlns="" xmlns:a14="http://schemas.microsoft.com/office/drawing/2010/main">
+              <a14:hiddenFill xmlns:a14="http://schemas.microsoft.com/office/drawing/2010/main" xmlns="">
                 <a:solidFill>
                   <a:srgbClr val="FFFFFF"/>
                 </a:solidFill>
               </a14:hiddenFill>
             </a:ext>
             <a:ext uri="{91240B29-F687-4f45-9708-019B960494DF}">
-              <a14:hiddenLine xmlns="" xmlns:a14="http://schemas.microsoft.com/office/drawing/2010/main" w="9525">
+              <a14:hiddenLine xmlns:a14="http://schemas.microsoft.com/office/drawing/2010/main" xmlns="" w="9525">
                 <a:solidFill>
                   <a:srgbClr val="000000"/>
                 </a:solidFill>
@@ -5813,7 +5837,7 @@
           </a:ln>
           <a:extLst>
             <a:ext uri="{91240B29-F687-4f45-9708-019B960494DF}">
-              <a14:hiddenLine xmlns="" xmlns:a14="http://schemas.microsoft.com/office/drawing/2010/main" w="9525">
+              <a14:hiddenLine xmlns:a14="http://schemas.microsoft.com/office/drawing/2010/main" xmlns="" w="9525">
                 <a:solidFill>
                   <a:srgbClr val="000000"/>
                 </a:solidFill>
@@ -5970,14 +5994,14 @@
           </a:ln>
           <a:extLst>
             <a:ext uri="{909E8E84-426E-40dd-AFC4-6F175D3DCCD1}">
-              <a14:hiddenFill xmlns="" xmlns:a14="http://schemas.microsoft.com/office/drawing/2010/main">
+              <a14:hiddenFill xmlns:a14="http://schemas.microsoft.com/office/drawing/2010/main" xmlns="">
                 <a:solidFill>
                   <a:srgbClr val="FFFFFF"/>
                 </a:solidFill>
               </a14:hiddenFill>
             </a:ext>
             <a:ext uri="{91240B29-F687-4f45-9708-019B960494DF}">
-              <a14:hiddenLine xmlns="" xmlns:a14="http://schemas.microsoft.com/office/drawing/2010/main" w="9525">
+              <a14:hiddenLine xmlns:a14="http://schemas.microsoft.com/office/drawing/2010/main" xmlns="" w="9525">
                 <a:solidFill>
                   <a:srgbClr val="000000"/>
                 </a:solidFill>
@@ -6136,8 +6160,13 @@
             </a:pPr>
             <a:r>
               <a:rPr lang="en-US" sz="3600" dirty="0" smtClean="0"/>
-              <a:t>Intent is to add depth to the users ability to pick up items..</a:t>
-            </a:r>
+              <a:t>Intent is to add depth to the users ability to pick up items</a:t>
+            </a:r>
+            <a:r>
+              <a:rPr lang="en-US" sz="3600" dirty="0" smtClean="0"/>
+              <a:t>.</a:t>
+            </a:r>
+            <a:endParaRPr lang="en-US" sz="3600" dirty="0" smtClean="0"/>
           </a:p>
           <a:p>
             <a:pPr marL="571500" indent="-571500" eaLnBrk="1" hangingPunct="1">
@@ -6180,14 +6209,14 @@
           </a:ln>
           <a:extLst>
             <a:ext uri="{909E8E84-426E-40dd-AFC4-6F175D3DCCD1}">
-              <a14:hiddenFill xmlns="" xmlns:a14="http://schemas.microsoft.com/office/drawing/2010/main">
+              <a14:hiddenFill xmlns:a14="http://schemas.microsoft.com/office/drawing/2010/main" xmlns="">
                 <a:solidFill>
                   <a:srgbClr val="FFFFFF"/>
                 </a:solidFill>
               </a14:hiddenFill>
             </a:ext>
             <a:ext uri="{91240B29-F687-4f45-9708-019B960494DF}">
-              <a14:hiddenLine xmlns="" xmlns:a14="http://schemas.microsoft.com/office/drawing/2010/main" w="9525">
+              <a14:hiddenLine xmlns:a14="http://schemas.microsoft.com/office/drawing/2010/main" xmlns="" w="9525">
                 <a:solidFill>
                   <a:srgbClr val="000000"/>
                 </a:solidFill>
@@ -6346,7 +6375,7 @@
           </a:ln>
           <a:extLst>
             <a:ext uri="{91240B29-F687-4f45-9708-019B960494DF}">
-              <a14:hiddenLine xmlns="" xmlns:a14="http://schemas.microsoft.com/office/drawing/2010/main" w="9525">
+              <a14:hiddenLine xmlns:a14="http://schemas.microsoft.com/office/drawing/2010/main" xmlns="" w="9525">
                 <a:solidFill>
                   <a:srgbClr val="000000"/>
                 </a:solidFill>
@@ -6503,14 +6532,14 @@
           </a:ln>
           <a:extLst>
             <a:ext uri="{909E8E84-426E-40dd-AFC4-6F175D3DCCD1}">
-              <a14:hiddenFill xmlns="" xmlns:a14="http://schemas.microsoft.com/office/drawing/2010/main">
+              <a14:hiddenFill xmlns:a14="http://schemas.microsoft.com/office/drawing/2010/main" xmlns="">
                 <a:solidFill>
                   <a:srgbClr val="FFFFFF"/>
                 </a:solidFill>
               </a14:hiddenFill>
             </a:ext>
             <a:ext uri="{91240B29-F687-4f45-9708-019B960494DF}">
-              <a14:hiddenLine xmlns="" xmlns:a14="http://schemas.microsoft.com/office/drawing/2010/main" w="9525">
+              <a14:hiddenLine xmlns:a14="http://schemas.microsoft.com/office/drawing/2010/main" xmlns="" w="9525">
                 <a:solidFill>
                   <a:srgbClr val="000000"/>
                 </a:solidFill>
@@ -6714,14 +6743,14 @@
           </a:ln>
           <a:extLst>
             <a:ext uri="{909E8E84-426E-40dd-AFC4-6F175D3DCCD1}">
-              <a14:hiddenFill xmlns="" xmlns:a14="http://schemas.microsoft.com/office/drawing/2010/main">
+              <a14:hiddenFill xmlns:a14="http://schemas.microsoft.com/office/drawing/2010/main" xmlns="">
                 <a:solidFill>
                   <a:srgbClr val="FFFFFF"/>
                 </a:solidFill>
               </a14:hiddenFill>
             </a:ext>
             <a:ext uri="{91240B29-F687-4f45-9708-019B960494DF}">
-              <a14:hiddenLine xmlns="" xmlns:a14="http://schemas.microsoft.com/office/drawing/2010/main" w="9525">
+              <a14:hiddenLine xmlns:a14="http://schemas.microsoft.com/office/drawing/2010/main" xmlns="" w="9525">
                 <a:solidFill>
                   <a:srgbClr val="000000"/>
                 </a:solidFill>
@@ -7103,14 +7132,14 @@
           </a:ln>
           <a:extLst>
             <a:ext uri="{909E8E84-426E-40dd-AFC4-6F175D3DCCD1}">
-              <a14:hiddenFill xmlns="" xmlns:a14="http://schemas.microsoft.com/office/drawing/2010/main">
+              <a14:hiddenFill xmlns:a14="http://schemas.microsoft.com/office/drawing/2010/main" xmlns="">
                 <a:solidFill>
                   <a:srgbClr val="FFFFFF"/>
                 </a:solidFill>
               </a14:hiddenFill>
             </a:ext>
             <a:ext uri="{91240B29-F687-4f45-9708-019B960494DF}">
-              <a14:hiddenLine xmlns="" xmlns:a14="http://schemas.microsoft.com/office/drawing/2010/main" w="9525">
+              <a14:hiddenLine xmlns:a14="http://schemas.microsoft.com/office/drawing/2010/main" xmlns="" w="9525">
                 <a:solidFill>
                   <a:srgbClr val="000000"/>
                 </a:solidFill>
@@ -7269,7 +7298,7 @@
           </a:ln>
           <a:extLst>
             <a:ext uri="{91240B29-F687-4f45-9708-019B960494DF}">
-              <a14:hiddenLine xmlns="" xmlns:a14="http://schemas.microsoft.com/office/drawing/2010/main" w="9525">
+              <a14:hiddenLine xmlns:a14="http://schemas.microsoft.com/office/drawing/2010/main" xmlns="" w="9525">
                 <a:solidFill>
                   <a:srgbClr val="000000"/>
                 </a:solidFill>
@@ -7418,14 +7447,14 @@
           </a:ln>
           <a:extLst>
             <a:ext uri="{909E8E84-426E-40dd-AFC4-6F175D3DCCD1}">
-              <a14:hiddenFill xmlns="" xmlns:a14="http://schemas.microsoft.com/office/drawing/2010/main">
+              <a14:hiddenFill xmlns:a14="http://schemas.microsoft.com/office/drawing/2010/main" xmlns="">
                 <a:solidFill>
                   <a:srgbClr val="FFFFFF"/>
                 </a:solidFill>
               </a14:hiddenFill>
             </a:ext>
             <a:ext uri="{91240B29-F687-4f45-9708-019B960494DF}">
-              <a14:hiddenLine xmlns="" xmlns:a14="http://schemas.microsoft.com/office/drawing/2010/main" w="9525">
+              <a14:hiddenLine xmlns:a14="http://schemas.microsoft.com/office/drawing/2010/main" xmlns="" w="9525">
                 <a:solidFill>
                   <a:srgbClr val="000000"/>
                 </a:solidFill>
@@ -7584,7 +7613,7 @@
           </a:ln>
           <a:extLst>
             <a:ext uri="{91240B29-F687-4f45-9708-019B960494DF}">
-              <a14:hiddenLine xmlns="" xmlns:a14="http://schemas.microsoft.com/office/drawing/2010/main" w="9525">
+              <a14:hiddenLine xmlns:a14="http://schemas.microsoft.com/office/drawing/2010/main" xmlns="" w="9525">
                 <a:solidFill>
                   <a:srgbClr val="000000"/>
                 </a:solidFill>
